--- a/Selenium.pptx
+++ b/Selenium.pptx
@@ -24,7 +24,15 @@
     <p:sldId id="272" r:id="rId18"/>
     <p:sldId id="274" r:id="rId19"/>
     <p:sldId id="275" r:id="rId20"/>
-    <p:sldId id="273" r:id="rId21"/>
+    <p:sldId id="276" r:id="rId21"/>
+    <p:sldId id="277" r:id="rId22"/>
+    <p:sldId id="278" r:id="rId23"/>
+    <p:sldId id="273" r:id="rId24"/>
+    <p:sldId id="279" r:id="rId25"/>
+    <p:sldId id="280" r:id="rId26"/>
+    <p:sldId id="281" r:id="rId27"/>
+    <p:sldId id="282" r:id="rId28"/>
+    <p:sldId id="283" r:id="rId29"/>
   </p:sldIdLst>
   <p:sldSz cx="9144000" cy="6858000" type="screen4x3"/>
   <p:notesSz cx="6858000" cy="9144000"/>
@@ -307,9 +315,9 @@
           <a:p>
             <a:fld id="{F519C7F3-C371-4827-89FF-855251EDEF64}" type="datetimeFigureOut">
               <a:rPr lang="en-US" smtClean="0"/>
-              <a:t>2/1/2021</a:t>
+              <a:t>2/4/2021</a:t>
             </a:fld>
-            <a:endParaRPr lang="en-US"/>
+            <a:endParaRPr lang="en-US" dirty="0"/>
           </a:p>
         </p:txBody>
       </p:sp>
@@ -328,7 +336,7 @@
           <a:bodyPr/>
           <a:lstStyle/>
           <a:p>
-            <a:endParaRPr lang="en-US"/>
+            <a:endParaRPr lang="en-US" dirty="0"/>
           </a:p>
         </p:txBody>
       </p:sp>
@@ -351,7 +359,7 @@
               <a:rPr lang="en-US" smtClean="0"/>
               <a:t>‹#›</a:t>
             </a:fld>
-            <a:endParaRPr lang="en-US"/>
+            <a:endParaRPr lang="en-US" dirty="0"/>
           </a:p>
         </p:txBody>
       </p:sp>
@@ -477,9 +485,9 @@
           <a:p>
             <a:fld id="{F519C7F3-C371-4827-89FF-855251EDEF64}" type="datetimeFigureOut">
               <a:rPr lang="en-US" smtClean="0"/>
-              <a:t>2/1/2021</a:t>
+              <a:t>2/4/2021</a:t>
             </a:fld>
-            <a:endParaRPr lang="en-US"/>
+            <a:endParaRPr lang="en-US" dirty="0"/>
           </a:p>
         </p:txBody>
       </p:sp>
@@ -498,7 +506,7 @@
           <a:bodyPr/>
           <a:lstStyle/>
           <a:p>
-            <a:endParaRPr lang="en-US"/>
+            <a:endParaRPr lang="en-US" dirty="0"/>
           </a:p>
         </p:txBody>
       </p:sp>
@@ -521,7 +529,7 @@
               <a:rPr lang="en-US" smtClean="0"/>
               <a:t>‹#›</a:t>
             </a:fld>
-            <a:endParaRPr lang="en-US"/>
+            <a:endParaRPr lang="en-US" dirty="0"/>
           </a:p>
         </p:txBody>
       </p:sp>
@@ -657,9 +665,9 @@
           <a:p>
             <a:fld id="{F519C7F3-C371-4827-89FF-855251EDEF64}" type="datetimeFigureOut">
               <a:rPr lang="en-US" smtClean="0"/>
-              <a:t>2/1/2021</a:t>
+              <a:t>2/4/2021</a:t>
             </a:fld>
-            <a:endParaRPr lang="en-US"/>
+            <a:endParaRPr lang="en-US" dirty="0"/>
           </a:p>
         </p:txBody>
       </p:sp>
@@ -678,7 +686,7 @@
           <a:bodyPr/>
           <a:lstStyle/>
           <a:p>
-            <a:endParaRPr lang="en-US"/>
+            <a:endParaRPr lang="en-US" dirty="0"/>
           </a:p>
         </p:txBody>
       </p:sp>
@@ -701,7 +709,7 @@
               <a:rPr lang="en-US" smtClean="0"/>
               <a:t>‹#›</a:t>
             </a:fld>
-            <a:endParaRPr lang="en-US"/>
+            <a:endParaRPr lang="en-US" dirty="0"/>
           </a:p>
         </p:txBody>
       </p:sp>
@@ -827,9 +835,9 @@
           <a:p>
             <a:fld id="{F519C7F3-C371-4827-89FF-855251EDEF64}" type="datetimeFigureOut">
               <a:rPr lang="en-US" smtClean="0"/>
-              <a:t>2/1/2021</a:t>
+              <a:t>2/4/2021</a:t>
             </a:fld>
-            <a:endParaRPr lang="en-US"/>
+            <a:endParaRPr lang="en-US" dirty="0"/>
           </a:p>
         </p:txBody>
       </p:sp>
@@ -848,7 +856,7 @@
           <a:bodyPr/>
           <a:lstStyle/>
           <a:p>
-            <a:endParaRPr lang="en-US"/>
+            <a:endParaRPr lang="en-US" dirty="0"/>
           </a:p>
         </p:txBody>
       </p:sp>
@@ -871,7 +879,7 @@
               <a:rPr lang="en-US" smtClean="0"/>
               <a:t>‹#›</a:t>
             </a:fld>
-            <a:endParaRPr lang="en-US"/>
+            <a:endParaRPr lang="en-US" dirty="0"/>
           </a:p>
         </p:txBody>
       </p:sp>
@@ -1073,9 +1081,9 @@
           <a:p>
             <a:fld id="{F519C7F3-C371-4827-89FF-855251EDEF64}" type="datetimeFigureOut">
               <a:rPr lang="en-US" smtClean="0"/>
-              <a:t>2/1/2021</a:t>
+              <a:t>2/4/2021</a:t>
             </a:fld>
-            <a:endParaRPr lang="en-US"/>
+            <a:endParaRPr lang="en-US" dirty="0"/>
           </a:p>
         </p:txBody>
       </p:sp>
@@ -1094,7 +1102,7 @@
           <a:bodyPr/>
           <a:lstStyle/>
           <a:p>
-            <a:endParaRPr lang="en-US"/>
+            <a:endParaRPr lang="en-US" dirty="0"/>
           </a:p>
         </p:txBody>
       </p:sp>
@@ -1117,7 +1125,7 @@
               <a:rPr lang="en-US" smtClean="0"/>
               <a:t>‹#›</a:t>
             </a:fld>
-            <a:endParaRPr lang="en-US"/>
+            <a:endParaRPr lang="en-US" dirty="0"/>
           </a:p>
         </p:txBody>
       </p:sp>
@@ -1361,9 +1369,9 @@
           <a:p>
             <a:fld id="{F519C7F3-C371-4827-89FF-855251EDEF64}" type="datetimeFigureOut">
               <a:rPr lang="en-US" smtClean="0"/>
-              <a:t>2/1/2021</a:t>
+              <a:t>2/4/2021</a:t>
             </a:fld>
-            <a:endParaRPr lang="en-US"/>
+            <a:endParaRPr lang="en-US" dirty="0"/>
           </a:p>
         </p:txBody>
       </p:sp>
@@ -1382,7 +1390,7 @@
           <a:bodyPr/>
           <a:lstStyle/>
           <a:p>
-            <a:endParaRPr lang="en-US"/>
+            <a:endParaRPr lang="en-US" dirty="0"/>
           </a:p>
         </p:txBody>
       </p:sp>
@@ -1405,7 +1413,7 @@
               <a:rPr lang="en-US" smtClean="0"/>
               <a:t>‹#›</a:t>
             </a:fld>
-            <a:endParaRPr lang="en-US"/>
+            <a:endParaRPr lang="en-US" dirty="0"/>
           </a:p>
         </p:txBody>
       </p:sp>
@@ -1783,9 +1791,9 @@
           <a:p>
             <a:fld id="{F519C7F3-C371-4827-89FF-855251EDEF64}" type="datetimeFigureOut">
               <a:rPr lang="en-US" smtClean="0"/>
-              <a:t>2/1/2021</a:t>
+              <a:t>2/4/2021</a:t>
             </a:fld>
-            <a:endParaRPr lang="en-US"/>
+            <a:endParaRPr lang="en-US" dirty="0"/>
           </a:p>
         </p:txBody>
       </p:sp>
@@ -1804,7 +1812,7 @@
           <a:bodyPr/>
           <a:lstStyle/>
           <a:p>
-            <a:endParaRPr lang="en-US"/>
+            <a:endParaRPr lang="en-US" dirty="0"/>
           </a:p>
         </p:txBody>
       </p:sp>
@@ -1827,7 +1835,7 @@
               <a:rPr lang="en-US" smtClean="0"/>
               <a:t>‹#›</a:t>
             </a:fld>
-            <a:endParaRPr lang="en-US"/>
+            <a:endParaRPr lang="en-US" dirty="0"/>
           </a:p>
         </p:txBody>
       </p:sp>
@@ -1901,9 +1909,9 @@
           <a:p>
             <a:fld id="{F519C7F3-C371-4827-89FF-855251EDEF64}" type="datetimeFigureOut">
               <a:rPr lang="en-US" smtClean="0"/>
-              <a:t>2/1/2021</a:t>
+              <a:t>2/4/2021</a:t>
             </a:fld>
-            <a:endParaRPr lang="en-US"/>
+            <a:endParaRPr lang="en-US" dirty="0"/>
           </a:p>
         </p:txBody>
       </p:sp>
@@ -1922,7 +1930,7 @@
           <a:bodyPr/>
           <a:lstStyle/>
           <a:p>
-            <a:endParaRPr lang="en-US"/>
+            <a:endParaRPr lang="en-US" dirty="0"/>
           </a:p>
         </p:txBody>
       </p:sp>
@@ -1945,7 +1953,7 @@
               <a:rPr lang="en-US" smtClean="0"/>
               <a:t>‹#›</a:t>
             </a:fld>
-            <a:endParaRPr lang="en-US"/>
+            <a:endParaRPr lang="en-US" dirty="0"/>
           </a:p>
         </p:txBody>
       </p:sp>
@@ -1996,9 +2004,9 @@
           <a:p>
             <a:fld id="{F519C7F3-C371-4827-89FF-855251EDEF64}" type="datetimeFigureOut">
               <a:rPr lang="en-US" smtClean="0"/>
-              <a:t>2/1/2021</a:t>
+              <a:t>2/4/2021</a:t>
             </a:fld>
-            <a:endParaRPr lang="en-US"/>
+            <a:endParaRPr lang="en-US" dirty="0"/>
           </a:p>
         </p:txBody>
       </p:sp>
@@ -2017,7 +2025,7 @@
           <a:bodyPr/>
           <a:lstStyle/>
           <a:p>
-            <a:endParaRPr lang="en-US"/>
+            <a:endParaRPr lang="en-US" dirty="0"/>
           </a:p>
         </p:txBody>
       </p:sp>
@@ -2040,7 +2048,7 @@
               <a:rPr lang="en-US" smtClean="0"/>
               <a:t>‹#›</a:t>
             </a:fld>
-            <a:endParaRPr lang="en-US"/>
+            <a:endParaRPr lang="en-US" dirty="0"/>
           </a:p>
         </p:txBody>
       </p:sp>
@@ -2273,9 +2281,9 @@
           <a:p>
             <a:fld id="{F519C7F3-C371-4827-89FF-855251EDEF64}" type="datetimeFigureOut">
               <a:rPr lang="en-US" smtClean="0"/>
-              <a:t>2/1/2021</a:t>
+              <a:t>2/4/2021</a:t>
             </a:fld>
-            <a:endParaRPr lang="en-US"/>
+            <a:endParaRPr lang="en-US" dirty="0"/>
           </a:p>
         </p:txBody>
       </p:sp>
@@ -2294,7 +2302,7 @@
           <a:bodyPr/>
           <a:lstStyle/>
           <a:p>
-            <a:endParaRPr lang="en-US"/>
+            <a:endParaRPr lang="en-US" dirty="0"/>
           </a:p>
         </p:txBody>
       </p:sp>
@@ -2317,7 +2325,7 @@
               <a:rPr lang="en-US" smtClean="0"/>
               <a:t>‹#›</a:t>
             </a:fld>
-            <a:endParaRPr lang="en-US"/>
+            <a:endParaRPr lang="en-US" dirty="0"/>
           </a:p>
         </p:txBody>
       </p:sp>
@@ -2440,7 +2448,7 @@
             </a:lvl9pPr>
           </a:lstStyle>
           <a:p>
-            <a:endParaRPr lang="en-US"/>
+            <a:endParaRPr lang="en-US" dirty="0"/>
           </a:p>
         </p:txBody>
       </p:sp>
@@ -2526,9 +2534,9 @@
           <a:p>
             <a:fld id="{F519C7F3-C371-4827-89FF-855251EDEF64}" type="datetimeFigureOut">
               <a:rPr lang="en-US" smtClean="0"/>
-              <a:t>2/1/2021</a:t>
+              <a:t>2/4/2021</a:t>
             </a:fld>
-            <a:endParaRPr lang="en-US"/>
+            <a:endParaRPr lang="en-US" dirty="0"/>
           </a:p>
         </p:txBody>
       </p:sp>
@@ -2547,7 +2555,7 @@
           <a:bodyPr/>
           <a:lstStyle/>
           <a:p>
-            <a:endParaRPr lang="en-US"/>
+            <a:endParaRPr lang="en-US" dirty="0"/>
           </a:p>
         </p:txBody>
       </p:sp>
@@ -2570,7 +2578,7 @@
               <a:rPr lang="en-US" smtClean="0"/>
               <a:t>‹#›</a:t>
             </a:fld>
-            <a:endParaRPr lang="en-US"/>
+            <a:endParaRPr lang="en-US" dirty="0"/>
           </a:p>
         </p:txBody>
       </p:sp>
@@ -2739,9 +2747,9 @@
           <a:p>
             <a:fld id="{F519C7F3-C371-4827-89FF-855251EDEF64}" type="datetimeFigureOut">
               <a:rPr lang="en-US" smtClean="0"/>
-              <a:t>2/1/2021</a:t>
+              <a:t>2/4/2021</a:t>
             </a:fld>
-            <a:endParaRPr lang="en-US"/>
+            <a:endParaRPr lang="en-US" dirty="0"/>
           </a:p>
         </p:txBody>
       </p:sp>
@@ -2778,7 +2786,7 @@
             </a:lvl1pPr>
           </a:lstStyle>
           <a:p>
-            <a:endParaRPr lang="en-US"/>
+            <a:endParaRPr lang="en-US" dirty="0"/>
           </a:p>
         </p:txBody>
       </p:sp>
@@ -2819,7 +2827,7 @@
               <a:rPr lang="en-US" smtClean="0"/>
               <a:t>‹#›</a:t>
             </a:fld>
-            <a:endParaRPr lang="en-US"/>
+            <a:endParaRPr lang="en-US" dirty="0"/>
           </a:p>
         </p:txBody>
       </p:sp>
@@ -3977,7 +3985,7 @@
           <a:lstStyle/>
           <a:p>
             <a:pPr algn="ctr"/>
-            <a:endParaRPr lang="en-US"/>
+            <a:endParaRPr lang="en-US" dirty="0"/>
           </a:p>
         </p:txBody>
       </p:sp>
@@ -4056,7 +4064,7 @@
           <a:lstStyle/>
           <a:p>
             <a:pPr algn="ctr"/>
-            <a:endParaRPr lang="en-US"/>
+            <a:endParaRPr lang="en-US" dirty="0"/>
           </a:p>
         </p:txBody>
       </p:sp>
@@ -4135,7 +4143,7 @@
           <a:lstStyle/>
           <a:p>
             <a:pPr algn="ctr"/>
-            <a:endParaRPr lang="en-US"/>
+            <a:endParaRPr lang="en-US" dirty="0"/>
           </a:p>
         </p:txBody>
       </p:sp>
@@ -4231,7 +4239,7 @@
           <a:lstStyle/>
           <a:p>
             <a:pPr algn="ctr"/>
-            <a:endParaRPr lang="en-US">
+            <a:endParaRPr lang="en-US" dirty="0">
               <a:solidFill>
                 <a:schemeClr val="tx1"/>
               </a:solidFill>
@@ -4516,7 +4524,7 @@
           <a:lstStyle/>
           <a:p>
             <a:pPr algn="ctr"/>
-            <a:endParaRPr lang="en-US"/>
+            <a:endParaRPr lang="en-US" dirty="0"/>
           </a:p>
         </p:txBody>
       </p:sp>
@@ -4691,7 +4699,7 @@
           <a:lstStyle/>
           <a:p>
             <a:pPr algn="ctr"/>
-            <a:endParaRPr lang="en-US"/>
+            <a:endParaRPr lang="en-US" dirty="0"/>
           </a:p>
         </p:txBody>
       </p:sp>
@@ -4731,7 +4739,7 @@
           <a:lstStyle/>
           <a:p>
             <a:pPr algn="ctr"/>
-            <a:endParaRPr lang="en-US"/>
+            <a:endParaRPr lang="en-US" dirty="0"/>
           </a:p>
         </p:txBody>
       </p:sp>
@@ -4902,7 +4910,7 @@
           <a:lstStyle/>
           <a:p>
             <a:pPr algn="ctr"/>
-            <a:endParaRPr lang="en-US"/>
+            <a:endParaRPr lang="en-US" dirty="0"/>
           </a:p>
         </p:txBody>
       </p:sp>
@@ -4983,7 +4991,7 @@
           <a:lstStyle/>
           <a:p>
             <a:pPr algn="ctr"/>
-            <a:endParaRPr lang="en-US"/>
+            <a:endParaRPr lang="en-US" dirty="0"/>
           </a:p>
         </p:txBody>
       </p:sp>
@@ -6010,7 +6018,7 @@
           <a:lstStyle/>
           <a:p>
             <a:pPr algn="ctr"/>
-            <a:endParaRPr lang="en-US"/>
+            <a:endParaRPr lang="en-US" dirty="0"/>
           </a:p>
         </p:txBody>
       </p:sp>
@@ -6315,7 +6323,7 @@
           <a:lstStyle/>
           <a:p>
             <a:pPr algn="ctr"/>
-            <a:endParaRPr lang="en-US"/>
+            <a:endParaRPr lang="en-US" dirty="0"/>
           </a:p>
         </p:txBody>
       </p:sp>
@@ -8191,25 +8199,6 @@
                     <a:lstStyle/>
                     <a:p>
                       <a:r>
-                        <a:rPr lang="en-US" sz="2400" b="1" kern="1200" dirty="0" err="1" smtClean="0">
-                          <a:solidFill>
-                            <a:schemeClr val="dk1"/>
-                          </a:solidFill>
-                          <a:effectLst>
-                            <a:glow rad="63500">
-                              <a:schemeClr val="accent1">
-                                <a:satMod val="175000"/>
-                                <a:alpha val="40000"/>
-                              </a:schemeClr>
-                            </a:glow>
-                          </a:effectLst>
-                          <a:latin typeface="+mn-lt"/>
-                          <a:ea typeface="+mn-ea"/>
-                          <a:cs typeface="+mn-cs"/>
-                        </a:rPr>
-                        <a:t>switchTo</a:t>
-                      </a:r>
-                      <a:r>
                         <a:rPr lang="en-US" sz="2400" b="1" kern="1200" dirty="0" smtClean="0">
                           <a:solidFill>
                             <a:schemeClr val="dk1"/>
@@ -8226,7 +8215,7 @@
                           <a:ea typeface="+mn-ea"/>
                           <a:cs typeface="+mn-cs"/>
                         </a:rPr>
-                        <a:t>()</a:t>
+                        <a:t>switchTo()</a:t>
                       </a:r>
                       <a:endParaRPr lang="en-US" sz="2400" b="1" dirty="0">
                         <a:effectLst>
@@ -8714,7 +8703,7 @@
         <p:spPr>
           <a:xfrm>
             <a:off x="361950" y="5562600"/>
-            <a:ext cx="7848600" cy="584775"/>
+            <a:ext cx="7848600" cy="1569660"/>
           </a:xfrm>
           <a:prstGeom prst="rect">
             <a:avLst/>
@@ -8761,8 +8750,57 @@
                   </a:outerShdw>
                 </a:effectLst>
               </a:rPr>
-              <a:t>difference between get() and to()..?</a:t>
-            </a:r>
+              <a:t>difference between get() and to</a:t>
+            </a:r>
+            <a:r>
+              <a:rPr lang="en-US" sz="3200" b="1" i="1" dirty="0" smtClean="0">
+                <a:effectLst>
+                  <a:outerShdw blurRad="38100" dist="38100" dir="2700000" algn="tl">
+                    <a:srgbClr val="000000">
+                      <a:alpha val="43137"/>
+                    </a:srgbClr>
+                  </a:outerShdw>
+                </a:effectLst>
+              </a:rPr>
+              <a:t>()..?</a:t>
+            </a:r>
+          </a:p>
+          <a:p>
+            <a:r>
+              <a:rPr lang="en-US" sz="3200" b="1" i="1" dirty="0">
+                <a:effectLst>
+                  <a:outerShdw blurRad="38100" dist="38100" dir="2700000" algn="tl">
+                    <a:srgbClr val="000000">
+                      <a:alpha val="43137"/>
+                    </a:srgbClr>
+                  </a:outerShdw>
+                </a:effectLst>
+              </a:rPr>
+              <a:t>Difference Between quit and </a:t>
+            </a:r>
+            <a:r>
+              <a:rPr lang="en-US" sz="3200" b="1" i="1" dirty="0" smtClean="0">
+                <a:effectLst>
+                  <a:outerShdw blurRad="38100" dist="38100" dir="2700000" algn="tl">
+                    <a:srgbClr val="000000">
+                      <a:alpha val="43137"/>
+                    </a:srgbClr>
+                  </a:outerShdw>
+                </a:effectLst>
+              </a:rPr>
+              <a:t>close..?</a:t>
+            </a:r>
+            <a:endParaRPr lang="en-US" sz="3200" b="1" i="1" dirty="0">
+              <a:effectLst>
+                <a:outerShdw blurRad="38100" dist="38100" dir="2700000" algn="tl">
+                  <a:srgbClr val="000000">
+                    <a:alpha val="43137"/>
+                  </a:srgbClr>
+                </a:outerShdw>
+              </a:effectLst>
+            </a:endParaRPr>
+          </a:p>
+          <a:p>
             <a:endParaRPr lang="en-US" sz="3200" b="1" i="1" dirty="0">
               <a:effectLst>
                 <a:outerShdw blurRad="38100" dist="38100" dir="2700000" algn="tl">
@@ -8785,6 +8823,13 @@
   <p:clrMapOvr>
     <a:masterClrMapping/>
   </p:clrMapOvr>
+  <p:timing>
+    <p:tnLst>
+      <p:par>
+        <p:cTn id="1" dur="indefinite" restart="never" nodeType="tmRoot"/>
+      </p:par>
+    </p:tnLst>
+  </p:timing>
 </p:sld>
 </file>
 
@@ -8900,20 +8945,6 @@
               </a:rPr>
               <a:t>To maximize a browser we have to go for method chaining</a:t>
             </a:r>
-            <a:endParaRPr lang="en-US" sz="2800" b="1" dirty="0">
-              <a:solidFill>
-                <a:schemeClr val="tx2">
-                  <a:lumMod val="50000"/>
-                </a:schemeClr>
-              </a:solidFill>
-              <a:effectLst>
-                <a:outerShdw blurRad="38100" dist="38100" dir="2700000" algn="tl">
-                  <a:srgbClr val="000000">
-                    <a:alpha val="43137"/>
-                  </a:srgbClr>
-                </a:outerShdw>
-              </a:effectLst>
-            </a:endParaRPr>
           </a:p>
         </p:txBody>
       </p:sp>
@@ -8956,20 +8987,6 @@
               </a:rPr>
               <a:t>driver.manage().window().maximize(); </a:t>
             </a:r>
-            <a:endParaRPr lang="en-US" sz="4000" b="1" dirty="0">
-              <a:solidFill>
-                <a:schemeClr val="tx2">
-                  <a:lumMod val="50000"/>
-                </a:schemeClr>
-              </a:solidFill>
-              <a:effectLst>
-                <a:outerShdw blurRad="38100" dist="38100" dir="2700000" algn="tl">
-                  <a:srgbClr val="000000">
-                    <a:alpha val="43137"/>
-                  </a:srgbClr>
-                </a:outerShdw>
-              </a:effectLst>
-            </a:endParaRPr>
           </a:p>
         </p:txBody>
       </p:sp>
@@ -9067,8 +9084,8 @@
         </p:nvSpPr>
         <p:spPr>
           <a:xfrm>
-            <a:off x="1" y="3208632"/>
-            <a:ext cx="1752600" cy="529284"/>
+            <a:off x="34636" y="3410828"/>
+            <a:ext cx="1752600" cy="982368"/>
           </a:xfrm>
           <a:prstGeom prst="wedgeEllipseCallout">
             <a:avLst>
@@ -9106,6 +9123,147 @@
           </a:p>
         </p:txBody>
       </p:sp>
+      <p:sp>
+        <p:nvSpPr>
+          <p:cNvPr id="9" name="Oval Callout 8"/>
+          <p:cNvSpPr/>
+          <p:nvPr/>
+        </p:nvSpPr>
+        <p:spPr>
+          <a:xfrm>
+            <a:off x="1787236" y="3446769"/>
+            <a:ext cx="2098963" cy="1120914"/>
+          </a:xfrm>
+          <a:prstGeom prst="wedgeEllipseCallout">
+            <a:avLst>
+              <a:gd name="adj1" fmla="val -8380"/>
+              <a:gd name="adj2" fmla="val -87741"/>
+            </a:avLst>
+          </a:prstGeom>
+        </p:spPr>
+        <p:style>
+          <a:lnRef idx="2">
+            <a:schemeClr val="accent1">
+              <a:shade val="50000"/>
+            </a:schemeClr>
+          </a:lnRef>
+          <a:fillRef idx="1">
+            <a:schemeClr val="accent1"/>
+          </a:fillRef>
+          <a:effectRef idx="0">
+            <a:schemeClr val="accent1"/>
+          </a:effectRef>
+          <a:fontRef idx="minor">
+            <a:schemeClr val="lt1"/>
+          </a:fontRef>
+        </p:style>
+        <p:txBody>
+          <a:bodyPr rtlCol="0" anchor="ctr"/>
+          <a:lstStyle/>
+          <a:p>
+            <a:pPr algn="ctr"/>
+            <a:r>
+              <a:rPr lang="en-US" sz="3200" dirty="0" smtClean="0"/>
+              <a:t>Options</a:t>
+            </a:r>
+            <a:endParaRPr lang="en-US" sz="3200" dirty="0"/>
+          </a:p>
+        </p:txBody>
+      </p:sp>
+      <p:sp>
+        <p:nvSpPr>
+          <p:cNvPr id="10" name="Oval Callout 9"/>
+          <p:cNvSpPr/>
+          <p:nvPr/>
+        </p:nvSpPr>
+        <p:spPr>
+          <a:xfrm>
+            <a:off x="4038600" y="3446769"/>
+            <a:ext cx="2043545" cy="1120914"/>
+          </a:xfrm>
+          <a:prstGeom prst="wedgeEllipseCallout">
+            <a:avLst>
+              <a:gd name="adj1" fmla="val -18657"/>
+              <a:gd name="adj2" fmla="val -82506"/>
+            </a:avLst>
+          </a:prstGeom>
+        </p:spPr>
+        <p:style>
+          <a:lnRef idx="2">
+            <a:schemeClr val="accent1">
+              <a:shade val="50000"/>
+            </a:schemeClr>
+          </a:lnRef>
+          <a:fillRef idx="1">
+            <a:schemeClr val="accent1"/>
+          </a:fillRef>
+          <a:effectRef idx="0">
+            <a:schemeClr val="accent1"/>
+          </a:effectRef>
+          <a:fontRef idx="minor">
+            <a:schemeClr val="lt1"/>
+          </a:fontRef>
+        </p:style>
+        <p:txBody>
+          <a:bodyPr rtlCol="0" anchor="ctr"/>
+          <a:lstStyle/>
+          <a:p>
+            <a:pPr algn="ctr"/>
+            <a:r>
+              <a:rPr lang="en-US" sz="2800" dirty="0" smtClean="0"/>
+              <a:t>Window</a:t>
+            </a:r>
+            <a:endParaRPr lang="en-US" sz="2800" dirty="0"/>
+          </a:p>
+        </p:txBody>
+      </p:sp>
+      <p:sp>
+        <p:nvSpPr>
+          <p:cNvPr id="11" name="Oval Callout 10"/>
+          <p:cNvSpPr/>
+          <p:nvPr/>
+        </p:nvSpPr>
+        <p:spPr>
+          <a:xfrm>
+            <a:off x="6248400" y="3450783"/>
+            <a:ext cx="2286000" cy="1249821"/>
+          </a:xfrm>
+          <a:prstGeom prst="wedgeEllipseCallout">
+            <a:avLst>
+              <a:gd name="adj1" fmla="val -18657"/>
+              <a:gd name="adj2" fmla="val -82506"/>
+            </a:avLst>
+          </a:prstGeom>
+        </p:spPr>
+        <p:style>
+          <a:lnRef idx="2">
+            <a:schemeClr val="accent1">
+              <a:shade val="50000"/>
+            </a:schemeClr>
+          </a:lnRef>
+          <a:fillRef idx="1">
+            <a:schemeClr val="accent1"/>
+          </a:fillRef>
+          <a:effectRef idx="0">
+            <a:schemeClr val="accent1"/>
+          </a:effectRef>
+          <a:fontRef idx="minor">
+            <a:schemeClr val="lt1"/>
+          </a:fontRef>
+        </p:style>
+        <p:txBody>
+          <a:bodyPr rtlCol="0" anchor="ctr"/>
+          <a:lstStyle/>
+          <a:p>
+            <a:pPr algn="ctr"/>
+            <a:r>
+              <a:rPr lang="en-US" sz="4800" dirty="0" smtClean="0"/>
+              <a:t>void</a:t>
+            </a:r>
+            <a:endParaRPr lang="en-US" sz="4800" dirty="0"/>
+          </a:p>
+        </p:txBody>
+      </p:sp>
     </p:spTree>
     <p:extLst>
       <p:ext uri="{BB962C8B-B14F-4D97-AF65-F5344CB8AC3E}">
@@ -9116,6 +9274,13 @@
   <p:clrMapOvr>
     <a:masterClrMapping/>
   </p:clrMapOvr>
+  <p:timing>
+    <p:tnLst>
+      <p:par>
+        <p:cTn id="1" dur="indefinite" restart="never" nodeType="tmRoot"/>
+      </p:par>
+    </p:tnLst>
+  </p:timing>
 </p:sld>
 </file>
 
@@ -9662,6 +9827,1280 @@
         </p:nvSpPr>
         <p:spPr>
           <a:xfrm>
+            <a:off x="152400" y="175598"/>
+            <a:ext cx="8382000" cy="646331"/>
+          </a:xfrm>
+          <a:prstGeom prst="rect">
+            <a:avLst/>
+          </a:prstGeom>
+          <a:noFill/>
+        </p:spPr>
+        <p:txBody>
+          <a:bodyPr wrap="square" rtlCol="0">
+            <a:spAutoFit/>
+          </a:bodyPr>
+          <a:lstStyle/>
+          <a:p>
+            <a:r>
+              <a:rPr lang="en-US" sz="3600" b="1" dirty="0" smtClean="0">
+                <a:solidFill>
+                  <a:schemeClr val="tx2">
+                    <a:lumMod val="50000"/>
+                  </a:schemeClr>
+                </a:solidFill>
+                <a:effectLst>
+                  <a:outerShdw blurRad="38100" dist="38100" dir="2700000" algn="tl">
+                    <a:srgbClr val="000000">
+                      <a:alpha val="43137"/>
+                    </a:srgbClr>
+                  </a:outerShdw>
+                </a:effectLst>
+              </a:rPr>
+              <a:t>How to find WebElement in WebPage.</a:t>
+            </a:r>
+            <a:endParaRPr lang="en-US" sz="3600" b="1" dirty="0">
+              <a:solidFill>
+                <a:schemeClr val="tx2">
+                  <a:lumMod val="50000"/>
+                </a:schemeClr>
+              </a:solidFill>
+              <a:effectLst>
+                <a:outerShdw blurRad="38100" dist="38100" dir="2700000" algn="tl">
+                  <a:srgbClr val="000000">
+                    <a:alpha val="43137"/>
+                  </a:srgbClr>
+                </a:outerShdw>
+              </a:effectLst>
+            </a:endParaRPr>
+          </a:p>
+        </p:txBody>
+      </p:sp>
+      <p:pic>
+        <p:nvPicPr>
+          <p:cNvPr id="4098" name="Picture 2" descr="C:\Users\Ankur\Downloads\1517620_633c_3-removebg-preview.png"/>
+          <p:cNvPicPr>
+            <a:picLocks noChangeAspect="1" noChangeArrowheads="1"/>
+          </p:cNvPicPr>
+          <p:nvPr/>
+        </p:nvPicPr>
+        <p:blipFill>
+          <a:blip r:embed="rId2">
+            <a:extLst>
+              <a:ext uri="{28A0092B-C50C-407E-A947-70E740481C1C}">
+                <a14:useLocalDpi xmlns:a14="http://schemas.microsoft.com/office/drawing/2010/main" val="0"/>
+              </a:ext>
+            </a:extLst>
+          </a:blip>
+          <a:srcRect/>
+          <a:stretch>
+            <a:fillRect/>
+          </a:stretch>
+        </p:blipFill>
+        <p:spPr bwMode="auto">
+          <a:xfrm>
+            <a:off x="1066800" y="1066800"/>
+            <a:ext cx="7162800" cy="3733800"/>
+          </a:xfrm>
+          <a:prstGeom prst="rect">
+            <a:avLst/>
+          </a:prstGeom>
+          <a:noFill/>
+          <a:extLst>
+            <a:ext uri="{909E8E84-426E-40DD-AFC4-6F175D3DCCD1}">
+              <a14:hiddenFill xmlns:a14="http://schemas.microsoft.com/office/drawing/2010/main">
+                <a:solidFill>
+                  <a:srgbClr val="FFFFFF"/>
+                </a:solidFill>
+              </a14:hiddenFill>
+            </a:ext>
+          </a:extLst>
+        </p:spPr>
+      </p:pic>
+      <p:sp>
+        <p:nvSpPr>
+          <p:cNvPr id="5" name="TextBox 4"/>
+          <p:cNvSpPr txBox="1"/>
+          <p:nvPr/>
+        </p:nvSpPr>
+        <p:spPr>
+          <a:xfrm>
+            <a:off x="152400" y="4800600"/>
+            <a:ext cx="8991600" cy="830997"/>
+          </a:xfrm>
+          <a:prstGeom prst="rect">
+            <a:avLst/>
+          </a:prstGeom>
+          <a:noFill/>
+        </p:spPr>
+        <p:txBody>
+          <a:bodyPr wrap="square" rtlCol="0">
+            <a:spAutoFit/>
+          </a:bodyPr>
+          <a:lstStyle/>
+          <a:p>
+            <a:r>
+              <a:rPr lang="en-US" sz="2400" b="1" dirty="0" smtClean="0">
+                <a:solidFill>
+                  <a:schemeClr val="tx2">
+                    <a:lumMod val="50000"/>
+                  </a:schemeClr>
+                </a:solidFill>
+                <a:effectLst>
+                  <a:outerShdw blurRad="38100" dist="38100" dir="2700000" algn="tl">
+                    <a:srgbClr val="000000">
+                      <a:alpha val="43137"/>
+                    </a:srgbClr>
+                  </a:outerShdw>
+                </a:effectLst>
+              </a:rPr>
+              <a:t>To find WebElement we need to take the help of findElement &amp; </a:t>
+            </a:r>
+            <a:r>
+              <a:rPr lang="en-US" sz="2400" b="1" dirty="0">
+                <a:solidFill>
+                  <a:schemeClr val="tx2">
+                    <a:lumMod val="50000"/>
+                  </a:schemeClr>
+                </a:solidFill>
+                <a:effectLst>
+                  <a:outerShdw blurRad="38100" dist="38100" dir="2700000" algn="tl">
+                    <a:srgbClr val="000000">
+                      <a:alpha val="43137"/>
+                    </a:srgbClr>
+                  </a:outerShdw>
+                </a:effectLst>
+              </a:rPr>
+              <a:t>f</a:t>
+            </a:r>
+            <a:r>
+              <a:rPr lang="en-US" sz="2400" b="1" dirty="0" smtClean="0">
+                <a:solidFill>
+                  <a:schemeClr val="tx2">
+                    <a:lumMod val="50000"/>
+                  </a:schemeClr>
+                </a:solidFill>
+                <a:effectLst>
+                  <a:outerShdw blurRad="38100" dist="38100" dir="2700000" algn="tl">
+                    <a:srgbClr val="000000">
+                      <a:alpha val="43137"/>
+                    </a:srgbClr>
+                  </a:outerShdw>
+                </a:effectLst>
+              </a:rPr>
+              <a:t>indElements .</a:t>
+            </a:r>
+            <a:endParaRPr lang="en-US" sz="2400" b="1" dirty="0">
+              <a:solidFill>
+                <a:schemeClr val="tx2">
+                  <a:lumMod val="50000"/>
+                </a:schemeClr>
+              </a:solidFill>
+              <a:effectLst>
+                <a:outerShdw blurRad="38100" dist="38100" dir="2700000" algn="tl">
+                  <a:srgbClr val="000000">
+                    <a:alpha val="43137"/>
+                  </a:srgbClr>
+                </a:outerShdw>
+              </a:effectLst>
+            </a:endParaRPr>
+          </a:p>
+        </p:txBody>
+      </p:sp>
+    </p:spTree>
+    <p:extLst>
+      <p:ext uri="{BB962C8B-B14F-4D97-AF65-F5344CB8AC3E}">
+        <p14:creationId xmlns:p14="http://schemas.microsoft.com/office/powerpoint/2010/main" val="2173492288"/>
+      </p:ext>
+    </p:extLst>
+  </p:cSld>
+  <p:clrMapOvr>
+    <a:masterClrMapping/>
+  </p:clrMapOvr>
+  <p:timing>
+    <p:tnLst>
+      <p:par>
+        <p:cTn id="1" dur="indefinite" restart="never" nodeType="tmRoot"/>
+      </p:par>
+    </p:tnLst>
+  </p:timing>
+</p:sld>
+</file>
+
+<file path=ppt/slides/slide21.xml><?xml version="1.0" encoding="utf-8"?>
+<p:sld xmlns:a="http://schemas.openxmlformats.org/drawingml/2006/main" xmlns:r="http://schemas.openxmlformats.org/officeDocument/2006/relationships" xmlns:p="http://schemas.openxmlformats.org/presentationml/2006/main">
+  <p:cSld>
+    <p:spTree>
+      <p:nvGrpSpPr>
+        <p:cNvPr id="1" name=""/>
+        <p:cNvGrpSpPr/>
+        <p:nvPr/>
+      </p:nvGrpSpPr>
+      <p:grpSpPr>
+        <a:xfrm>
+          <a:off x="0" y="0"/>
+          <a:ext cx="0" cy="0"/>
+          <a:chOff x="0" y="0"/>
+          <a:chExt cx="0" cy="0"/>
+        </a:xfrm>
+      </p:grpSpPr>
+      <p:sp>
+        <p:nvSpPr>
+          <p:cNvPr id="4" name="TextBox 3"/>
+          <p:cNvSpPr txBox="1"/>
+          <p:nvPr/>
+        </p:nvSpPr>
+        <p:spPr>
+          <a:xfrm>
+            <a:off x="228600" y="228600"/>
+            <a:ext cx="8686800" cy="3539430"/>
+          </a:xfrm>
+          <a:prstGeom prst="rect">
+            <a:avLst/>
+          </a:prstGeom>
+          <a:noFill/>
+        </p:spPr>
+        <p:txBody>
+          <a:bodyPr wrap="square" rtlCol="0">
+            <a:spAutoFit/>
+          </a:bodyPr>
+          <a:lstStyle/>
+          <a:p>
+            <a:r>
+              <a:rPr lang="en-US" sz="3200" b="1" dirty="0">
+                <a:effectLst>
+                  <a:outerShdw blurRad="38100" dist="38100" dir="2700000" algn="tl">
+                    <a:srgbClr val="000000">
+                      <a:alpha val="43137"/>
+                    </a:srgbClr>
+                  </a:outerShdw>
+                </a:effectLst>
+              </a:rPr>
+              <a:t>FindElement and FindElements are non-Static method which are present in Search-context .since the Search-Context is the parent of WebDriver so we can call these method with the help of webdriver object .Both method will accept By class as an argument.</a:t>
+            </a:r>
+          </a:p>
+          <a:p>
+            <a:endParaRPr lang="en-US" sz="3200" b="1" dirty="0">
+              <a:effectLst>
+                <a:outerShdw blurRad="38100" dist="38100" dir="2700000" algn="tl">
+                  <a:srgbClr val="000000">
+                    <a:alpha val="43137"/>
+                  </a:srgbClr>
+                </a:outerShdw>
+              </a:effectLst>
+            </a:endParaRPr>
+          </a:p>
+        </p:txBody>
+      </p:sp>
+      <p:sp>
+        <p:nvSpPr>
+          <p:cNvPr id="5" name="TextBox 4"/>
+          <p:cNvSpPr txBox="1"/>
+          <p:nvPr/>
+        </p:nvSpPr>
+        <p:spPr>
+          <a:xfrm>
+            <a:off x="76200" y="3816521"/>
+            <a:ext cx="9067800" cy="1477328"/>
+          </a:xfrm>
+          <a:prstGeom prst="rect">
+            <a:avLst/>
+          </a:prstGeom>
+          <a:noFill/>
+        </p:spPr>
+        <p:txBody>
+          <a:bodyPr wrap="square" rtlCol="0">
+            <a:spAutoFit/>
+          </a:bodyPr>
+          <a:lstStyle/>
+          <a:p>
+            <a:r>
+              <a:rPr lang="en-US" b="1" dirty="0">
+                <a:effectLst>
+                  <a:outerShdw blurRad="38100" dist="38100" dir="2700000" algn="tl">
+                    <a:srgbClr val="000000">
+                      <a:alpha val="43137"/>
+                    </a:srgbClr>
+                  </a:outerShdw>
+                </a:effectLst>
+              </a:rPr>
+              <a:t>List&lt;WebElement&gt; elementName=driver.findElements(By.LocatorStrategy("LocatorValue</a:t>
+            </a:r>
+            <a:r>
+              <a:rPr lang="en-US" b="1" dirty="0" smtClean="0">
+                <a:effectLst>
+                  <a:outerShdw blurRad="38100" dist="38100" dir="2700000" algn="tl">
+                    <a:srgbClr val="000000">
+                      <a:alpha val="43137"/>
+                    </a:srgbClr>
+                  </a:outerShdw>
+                </a:effectLst>
+              </a:rPr>
+              <a:t>"))</a:t>
+            </a:r>
+          </a:p>
+          <a:p>
+            <a:endParaRPr lang="en-US" b="1" dirty="0">
+              <a:effectLst>
+                <a:outerShdw blurRad="38100" dist="38100" dir="2700000" algn="tl">
+                  <a:srgbClr val="000000">
+                    <a:alpha val="43137"/>
+                  </a:srgbClr>
+                </a:outerShdw>
+              </a:effectLst>
+            </a:endParaRPr>
+          </a:p>
+          <a:p>
+            <a:endParaRPr lang="en-US" b="1" dirty="0" smtClean="0">
+              <a:effectLst>
+                <a:outerShdw blurRad="38100" dist="38100" dir="2700000" algn="tl">
+                  <a:srgbClr val="000000">
+                    <a:alpha val="43137"/>
+                  </a:srgbClr>
+                </a:outerShdw>
+              </a:effectLst>
+            </a:endParaRPr>
+          </a:p>
+          <a:p>
+            <a:r>
+              <a:rPr lang="en-US" b="1" dirty="0" smtClean="0">
+                <a:effectLst>
+                  <a:outerShdw blurRad="38100" dist="38100" dir="2700000" algn="tl">
+                    <a:srgbClr val="000000">
+                      <a:alpha val="43137"/>
+                    </a:srgbClr>
+                  </a:outerShdw>
+                </a:effectLst>
+              </a:rPr>
+              <a:t> </a:t>
+            </a:r>
+          </a:p>
+          <a:p>
+            <a:r>
+              <a:rPr lang="en-US" b="1" dirty="0" smtClean="0">
+                <a:effectLst>
+                  <a:outerShdw blurRad="38100" dist="38100" dir="2700000" algn="tl">
+                    <a:srgbClr val="000000">
+                      <a:alpha val="43137"/>
+                    </a:srgbClr>
+                  </a:outerShdw>
+                </a:effectLst>
+              </a:rPr>
+              <a:t>WebElement elementName= </a:t>
+            </a:r>
+            <a:r>
+              <a:rPr lang="en-US" b="1" dirty="0">
+                <a:effectLst>
+                  <a:outerShdw blurRad="38100" dist="38100" dir="2700000" algn="tl">
+                    <a:srgbClr val="000000">
+                      <a:alpha val="43137"/>
+                    </a:srgbClr>
+                  </a:outerShdw>
+                </a:effectLst>
+              </a:rPr>
+              <a:t>driver.findElement(By.LocatorStrategy("LocatorValue"));</a:t>
+            </a:r>
+            <a:endParaRPr lang="en-US" b="1" dirty="0">
+              <a:effectLst>
+                <a:outerShdw blurRad="38100" dist="38100" dir="2700000" algn="tl">
+                  <a:srgbClr val="000000">
+                    <a:alpha val="43137"/>
+                  </a:srgbClr>
+                </a:outerShdw>
+              </a:effectLst>
+            </a:endParaRPr>
+          </a:p>
+        </p:txBody>
+      </p:sp>
+      <p:sp>
+        <p:nvSpPr>
+          <p:cNvPr id="6" name="TextBox 5"/>
+          <p:cNvSpPr txBox="1"/>
+          <p:nvPr/>
+        </p:nvSpPr>
+        <p:spPr>
+          <a:xfrm>
+            <a:off x="48491" y="3334865"/>
+            <a:ext cx="4495800" cy="523220"/>
+          </a:xfrm>
+          <a:prstGeom prst="rect">
+            <a:avLst/>
+          </a:prstGeom>
+          <a:noFill/>
+        </p:spPr>
+        <p:txBody>
+          <a:bodyPr wrap="square" rtlCol="0">
+            <a:spAutoFit/>
+          </a:bodyPr>
+          <a:lstStyle/>
+          <a:p>
+            <a:r>
+              <a:rPr lang="en-US" sz="2800" b="1" dirty="0">
+                <a:solidFill>
+                  <a:srgbClr val="FF0000"/>
+                </a:solidFill>
+                <a:effectLst>
+                  <a:outerShdw blurRad="38100" dist="38100" dir="2700000" algn="tl">
+                    <a:srgbClr val="000000">
+                      <a:alpha val="43137"/>
+                    </a:srgbClr>
+                  </a:outerShdw>
+                </a:effectLst>
+              </a:rPr>
+              <a:t>For Multiple WebElement</a:t>
+            </a:r>
+            <a:endParaRPr lang="en-US" sz="2800" b="1" dirty="0">
+              <a:solidFill>
+                <a:srgbClr val="FF0000"/>
+              </a:solidFill>
+              <a:effectLst>
+                <a:outerShdw blurRad="38100" dist="38100" dir="2700000" algn="tl">
+                  <a:srgbClr val="000000">
+                    <a:alpha val="43137"/>
+                  </a:srgbClr>
+                </a:outerShdw>
+              </a:effectLst>
+            </a:endParaRPr>
+          </a:p>
+        </p:txBody>
+      </p:sp>
+      <p:sp>
+        <p:nvSpPr>
+          <p:cNvPr id="7" name="TextBox 6"/>
+          <p:cNvSpPr txBox="1"/>
+          <p:nvPr/>
+        </p:nvSpPr>
+        <p:spPr>
+          <a:xfrm>
+            <a:off x="76200" y="4293575"/>
+            <a:ext cx="4495800" cy="523220"/>
+          </a:xfrm>
+          <a:prstGeom prst="rect">
+            <a:avLst/>
+          </a:prstGeom>
+          <a:noFill/>
+        </p:spPr>
+        <p:txBody>
+          <a:bodyPr wrap="square" rtlCol="0">
+            <a:spAutoFit/>
+          </a:bodyPr>
+          <a:lstStyle/>
+          <a:p>
+            <a:r>
+              <a:rPr lang="en-US" sz="2800" b="1" dirty="0">
+                <a:solidFill>
+                  <a:srgbClr val="FF0000"/>
+                </a:solidFill>
+                <a:effectLst>
+                  <a:outerShdw blurRad="38100" dist="38100" dir="2700000" algn="tl">
+                    <a:srgbClr val="000000">
+                      <a:alpha val="43137"/>
+                    </a:srgbClr>
+                  </a:outerShdw>
+                </a:effectLst>
+              </a:rPr>
+              <a:t>For </a:t>
+            </a:r>
+            <a:r>
+              <a:rPr lang="en-US" sz="2800" b="1" dirty="0" smtClean="0">
+                <a:solidFill>
+                  <a:srgbClr val="FF0000"/>
+                </a:solidFill>
+                <a:effectLst>
+                  <a:outerShdw blurRad="38100" dist="38100" dir="2700000" algn="tl">
+                    <a:srgbClr val="000000">
+                      <a:alpha val="43137"/>
+                    </a:srgbClr>
+                  </a:outerShdw>
+                </a:effectLst>
+              </a:rPr>
+              <a:t>Single WebElement</a:t>
+            </a:r>
+            <a:endParaRPr lang="en-US" sz="2800" b="1" dirty="0">
+              <a:solidFill>
+                <a:srgbClr val="FF0000"/>
+              </a:solidFill>
+              <a:effectLst>
+                <a:outerShdw blurRad="38100" dist="38100" dir="2700000" algn="tl">
+                  <a:srgbClr val="000000">
+                    <a:alpha val="43137"/>
+                  </a:srgbClr>
+                </a:outerShdw>
+              </a:effectLst>
+            </a:endParaRPr>
+          </a:p>
+        </p:txBody>
+      </p:sp>
+    </p:spTree>
+    <p:extLst>
+      <p:ext uri="{BB962C8B-B14F-4D97-AF65-F5344CB8AC3E}">
+        <p14:creationId xmlns:p14="http://schemas.microsoft.com/office/powerpoint/2010/main" val="4100283114"/>
+      </p:ext>
+    </p:extLst>
+  </p:cSld>
+  <p:clrMapOvr>
+    <a:masterClrMapping/>
+  </p:clrMapOvr>
+  <p:timing>
+    <p:tnLst>
+      <p:par>
+        <p:cTn id="1" dur="indefinite" restart="never" nodeType="tmRoot"/>
+      </p:par>
+    </p:tnLst>
+  </p:timing>
+</p:sld>
+</file>
+
+<file path=ppt/slides/slide22.xml><?xml version="1.0" encoding="utf-8"?>
+<p:sld xmlns:a="http://schemas.openxmlformats.org/drawingml/2006/main" xmlns:r="http://schemas.openxmlformats.org/officeDocument/2006/relationships" xmlns:p="http://schemas.openxmlformats.org/presentationml/2006/main">
+  <p:cSld>
+    <p:spTree>
+      <p:nvGrpSpPr>
+        <p:cNvPr id="1" name=""/>
+        <p:cNvGrpSpPr/>
+        <p:nvPr/>
+      </p:nvGrpSpPr>
+      <p:grpSpPr>
+        <a:xfrm>
+          <a:off x="0" y="0"/>
+          <a:ext cx="0" cy="0"/>
+          <a:chOff x="0" y="0"/>
+          <a:chExt cx="0" cy="0"/>
+        </a:xfrm>
+      </p:grpSpPr>
+      <p:pic>
+        <p:nvPicPr>
+          <p:cNvPr id="5123" name="Picture 3" descr="C:\Users\Ankur\Downloads\041318_1101_FindElement1-removebg-preview.png"/>
+          <p:cNvPicPr>
+            <a:picLocks noChangeAspect="1" noChangeArrowheads="1"/>
+          </p:cNvPicPr>
+          <p:nvPr/>
+        </p:nvPicPr>
+        <p:blipFill>
+          <a:blip r:embed="rId2">
+            <a:extLst>
+              <a:ext uri="{28A0092B-C50C-407E-A947-70E740481C1C}">
+                <a14:useLocalDpi xmlns:a14="http://schemas.microsoft.com/office/drawing/2010/main" val="0"/>
+              </a:ext>
+            </a:extLst>
+          </a:blip>
+          <a:srcRect/>
+          <a:stretch>
+            <a:fillRect/>
+          </a:stretch>
+        </p:blipFill>
+        <p:spPr bwMode="auto">
+          <a:xfrm>
+            <a:off x="1143000" y="228600"/>
+            <a:ext cx="6934201" cy="2857500"/>
+          </a:xfrm>
+          <a:prstGeom prst="rect">
+            <a:avLst/>
+          </a:prstGeom>
+          <a:noFill/>
+          <a:extLst>
+            <a:ext uri="{909E8E84-426E-40DD-AFC4-6F175D3DCCD1}">
+              <a14:hiddenFill xmlns:a14="http://schemas.microsoft.com/office/drawing/2010/main">
+                <a:solidFill>
+                  <a:srgbClr val="FFFFFF"/>
+                </a:solidFill>
+              </a14:hiddenFill>
+            </a:ext>
+          </a:extLst>
+        </p:spPr>
+      </p:pic>
+      <p:sp>
+        <p:nvSpPr>
+          <p:cNvPr id="4" name="TextBox 3"/>
+          <p:cNvSpPr txBox="1"/>
+          <p:nvPr/>
+        </p:nvSpPr>
+        <p:spPr>
+          <a:xfrm>
+            <a:off x="3048000" y="228600"/>
+            <a:ext cx="1981200" cy="461665"/>
+          </a:xfrm>
+          <a:prstGeom prst="rect">
+            <a:avLst/>
+          </a:prstGeom>
+          <a:noFill/>
+        </p:spPr>
+        <p:txBody>
+          <a:bodyPr wrap="square" rtlCol="0">
+            <a:spAutoFit/>
+          </a:bodyPr>
+          <a:lstStyle/>
+          <a:p>
+            <a:r>
+              <a:rPr lang="en-US" sz="2400" b="1" dirty="0" smtClean="0">
+                <a:solidFill>
+                  <a:srgbClr val="FF0000"/>
+                </a:solidFill>
+                <a:effectLst>
+                  <a:outerShdw blurRad="38100" dist="38100" dir="2700000" algn="tl">
+                    <a:srgbClr val="000000">
+                      <a:alpha val="43137"/>
+                    </a:srgbClr>
+                  </a:outerShdw>
+                </a:effectLst>
+              </a:rPr>
+              <a:t>findElement</a:t>
+            </a:r>
+            <a:endParaRPr lang="en-US" sz="2400" b="1" dirty="0">
+              <a:solidFill>
+                <a:srgbClr val="FF0000"/>
+              </a:solidFill>
+              <a:effectLst>
+                <a:outerShdw blurRad="38100" dist="38100" dir="2700000" algn="tl">
+                  <a:srgbClr val="000000">
+                    <a:alpha val="43137"/>
+                  </a:srgbClr>
+                </a:outerShdw>
+              </a:effectLst>
+            </a:endParaRPr>
+          </a:p>
+        </p:txBody>
+      </p:sp>
+      <p:sp>
+        <p:nvSpPr>
+          <p:cNvPr id="7" name="TextBox 6"/>
+          <p:cNvSpPr txBox="1"/>
+          <p:nvPr/>
+        </p:nvSpPr>
+        <p:spPr>
+          <a:xfrm>
+            <a:off x="6858000" y="274628"/>
+            <a:ext cx="1981200" cy="461665"/>
+          </a:xfrm>
+          <a:prstGeom prst="rect">
+            <a:avLst/>
+          </a:prstGeom>
+          <a:noFill/>
+        </p:spPr>
+        <p:txBody>
+          <a:bodyPr wrap="square" rtlCol="0">
+            <a:spAutoFit/>
+          </a:bodyPr>
+          <a:lstStyle/>
+          <a:p>
+            <a:r>
+              <a:rPr lang="en-US" sz="2400" b="1" dirty="0" smtClean="0">
+                <a:solidFill>
+                  <a:srgbClr val="FF0000"/>
+                </a:solidFill>
+                <a:effectLst>
+                  <a:outerShdw blurRad="38100" dist="38100" dir="2700000" algn="tl">
+                    <a:srgbClr val="000000">
+                      <a:alpha val="43137"/>
+                    </a:srgbClr>
+                  </a:outerShdw>
+                </a:effectLst>
+              </a:rPr>
+              <a:t>findElements</a:t>
+            </a:r>
+            <a:endParaRPr lang="en-US" sz="2400" b="1" dirty="0">
+              <a:solidFill>
+                <a:srgbClr val="FF0000"/>
+              </a:solidFill>
+              <a:effectLst>
+                <a:outerShdw blurRad="38100" dist="38100" dir="2700000" algn="tl">
+                  <a:srgbClr val="000000">
+                    <a:alpha val="43137"/>
+                  </a:srgbClr>
+                </a:outerShdw>
+              </a:effectLst>
+            </a:endParaRPr>
+          </a:p>
+        </p:txBody>
+      </p:sp>
+      <p:cxnSp>
+        <p:nvCxnSpPr>
+          <p:cNvPr id="9" name="Straight Arrow Connector 8"/>
+          <p:cNvCxnSpPr/>
+          <p:nvPr/>
+        </p:nvCxnSpPr>
+        <p:spPr>
+          <a:xfrm flipH="1">
+            <a:off x="7162800" y="736293"/>
+            <a:ext cx="381000" cy="406707"/>
+          </a:xfrm>
+          <a:prstGeom prst="straightConnector1">
+            <a:avLst/>
+          </a:prstGeom>
+          <a:ln w="38100">
+            <a:solidFill>
+              <a:srgbClr val="FF0000"/>
+            </a:solidFill>
+            <a:tailEnd type="arrow"/>
+          </a:ln>
+        </p:spPr>
+        <p:style>
+          <a:lnRef idx="1">
+            <a:schemeClr val="accent1"/>
+          </a:lnRef>
+          <a:fillRef idx="0">
+            <a:schemeClr val="accent1"/>
+          </a:fillRef>
+          <a:effectRef idx="0">
+            <a:schemeClr val="accent1"/>
+          </a:effectRef>
+          <a:fontRef idx="minor">
+            <a:schemeClr val="tx1"/>
+          </a:fontRef>
+        </p:style>
+      </p:cxnSp>
+      <p:graphicFrame>
+        <p:nvGraphicFramePr>
+          <p:cNvPr id="10" name="Table 9"/>
+          <p:cNvGraphicFramePr>
+            <a:graphicFrameLocks noGrp="1"/>
+          </p:cNvGraphicFramePr>
+          <p:nvPr>
+            <p:extLst>
+              <p:ext uri="{D42A27DB-BD31-4B8C-83A1-F6EECF244321}">
+                <p14:modId xmlns:p14="http://schemas.microsoft.com/office/powerpoint/2010/main" val="225910920"/>
+              </p:ext>
+            </p:extLst>
+          </p:nvPr>
+        </p:nvGraphicFramePr>
+        <p:xfrm>
+          <a:off x="304800" y="3657600"/>
+          <a:ext cx="8534400" cy="3124200"/>
+        </p:xfrm>
+        <a:graphic>
+          <a:graphicData uri="http://schemas.openxmlformats.org/drawingml/2006/table">
+            <a:tbl>
+              <a:tblPr firstRow="1" firstCol="1" bandRow="1">
+                <a:tableStyleId>{5C22544A-7EE6-4342-B048-85BDC9FD1C3A}</a:tableStyleId>
+              </a:tblPr>
+              <a:tblGrid>
+                <a:gridCol w="4266816"/>
+                <a:gridCol w="4267584"/>
+              </a:tblGrid>
+              <a:tr h="332412">
+                <a:tc>
+                  <a:txBody>
+                    <a:bodyPr/>
+                    <a:lstStyle/>
+                    <a:p>
+                      <a:pPr marL="0" marR="0">
+                        <a:lnSpc>
+                          <a:spcPct val="125000"/>
+                        </a:lnSpc>
+                        <a:spcBef>
+                          <a:spcPts val="0"/>
+                        </a:spcBef>
+                        <a:spcAft>
+                          <a:spcPts val="1500"/>
+                        </a:spcAft>
+                      </a:pPr>
+                      <a:r>
+                        <a:rPr lang="en-US" sz="1350" b="1" dirty="0">
+                          <a:effectLst>
+                            <a:outerShdw blurRad="38100" dist="38100" dir="2700000" algn="tl">
+                              <a:srgbClr val="000000">
+                                <a:alpha val="43137"/>
+                              </a:srgbClr>
+                            </a:outerShdw>
+                          </a:effectLst>
+                        </a:rPr>
+                        <a:t>Find Element</a:t>
+                      </a:r>
+                      <a:endParaRPr lang="en-US" sz="1100" b="1" dirty="0">
+                        <a:effectLst>
+                          <a:outerShdw blurRad="38100" dist="38100" dir="2700000" algn="tl">
+                            <a:srgbClr val="000000">
+                              <a:alpha val="43137"/>
+                            </a:srgbClr>
+                          </a:outerShdw>
+                        </a:effectLst>
+                        <a:latin typeface="Calibri"/>
+                        <a:ea typeface="Times New Roman"/>
+                        <a:cs typeface="Times New Roman"/>
+                      </a:endParaRPr>
+                    </a:p>
+                  </a:txBody>
+                  <a:tcPr marL="76200" marR="76200" marT="0" marB="0"/>
+                </a:tc>
+                <a:tc>
+                  <a:txBody>
+                    <a:bodyPr/>
+                    <a:lstStyle/>
+                    <a:p>
+                      <a:pPr marL="0" marR="0">
+                        <a:lnSpc>
+                          <a:spcPct val="125000"/>
+                        </a:lnSpc>
+                        <a:spcBef>
+                          <a:spcPts val="0"/>
+                        </a:spcBef>
+                        <a:spcAft>
+                          <a:spcPts val="1500"/>
+                        </a:spcAft>
+                      </a:pPr>
+                      <a:r>
+                        <a:rPr lang="en-US" sz="1350" b="1" dirty="0">
+                          <a:effectLst>
+                            <a:outerShdw blurRad="38100" dist="38100" dir="2700000" algn="tl">
+                              <a:srgbClr val="000000">
+                                <a:alpha val="43137"/>
+                              </a:srgbClr>
+                            </a:outerShdw>
+                          </a:effectLst>
+                        </a:rPr>
+                        <a:t>Find Elements</a:t>
+                      </a:r>
+                      <a:endParaRPr lang="en-US" sz="1100" b="1" dirty="0">
+                        <a:effectLst>
+                          <a:outerShdw blurRad="38100" dist="38100" dir="2700000" algn="tl">
+                            <a:srgbClr val="000000">
+                              <a:alpha val="43137"/>
+                            </a:srgbClr>
+                          </a:outerShdw>
+                        </a:effectLst>
+                        <a:latin typeface="Calibri"/>
+                        <a:ea typeface="Times New Roman"/>
+                        <a:cs typeface="Times New Roman"/>
+                      </a:endParaRPr>
+                    </a:p>
+                  </a:txBody>
+                  <a:tcPr marL="76200" marR="76200" marT="0" marB="0"/>
+                </a:tc>
+              </a:tr>
+              <a:tr h="1050233">
+                <a:tc>
+                  <a:txBody>
+                    <a:bodyPr/>
+                    <a:lstStyle/>
+                    <a:p>
+                      <a:pPr marL="0" marR="0">
+                        <a:lnSpc>
+                          <a:spcPct val="125000"/>
+                        </a:lnSpc>
+                        <a:spcBef>
+                          <a:spcPts val="0"/>
+                        </a:spcBef>
+                        <a:spcAft>
+                          <a:spcPts val="1500"/>
+                        </a:spcAft>
+                      </a:pPr>
+                      <a:r>
+                        <a:rPr lang="en-US" sz="1350" b="1" dirty="0">
+                          <a:effectLst>
+                            <a:outerShdw blurRad="38100" dist="38100" dir="2700000" algn="tl">
+                              <a:srgbClr val="000000">
+                                <a:alpha val="43137"/>
+                              </a:srgbClr>
+                            </a:outerShdw>
+                          </a:effectLst>
+                        </a:rPr>
+                        <a:t>Returns the first most web element if there are multiple web elements found with the same locator</a:t>
+                      </a:r>
+                      <a:endParaRPr lang="en-US" sz="1100" b="1" dirty="0">
+                        <a:effectLst>
+                          <a:outerShdw blurRad="38100" dist="38100" dir="2700000" algn="tl">
+                            <a:srgbClr val="000000">
+                              <a:alpha val="43137"/>
+                            </a:srgbClr>
+                          </a:outerShdw>
+                        </a:effectLst>
+                        <a:latin typeface="Calibri"/>
+                        <a:ea typeface="Times New Roman"/>
+                        <a:cs typeface="Times New Roman"/>
+                      </a:endParaRPr>
+                    </a:p>
+                  </a:txBody>
+                  <a:tcPr marL="76200" marR="76200" marT="0" marB="0"/>
+                </a:tc>
+                <a:tc>
+                  <a:txBody>
+                    <a:bodyPr/>
+                    <a:lstStyle/>
+                    <a:p>
+                      <a:pPr marL="0" marR="0">
+                        <a:lnSpc>
+                          <a:spcPct val="125000"/>
+                        </a:lnSpc>
+                        <a:spcBef>
+                          <a:spcPts val="0"/>
+                        </a:spcBef>
+                        <a:spcAft>
+                          <a:spcPts val="1500"/>
+                        </a:spcAft>
+                      </a:pPr>
+                      <a:r>
+                        <a:rPr lang="en-US" sz="1350" b="1" dirty="0">
+                          <a:effectLst>
+                            <a:outerShdw blurRad="38100" dist="38100" dir="2700000" algn="tl">
+                              <a:srgbClr val="000000">
+                                <a:alpha val="43137"/>
+                              </a:srgbClr>
+                            </a:outerShdw>
+                          </a:effectLst>
+                        </a:rPr>
+                        <a:t>Returns a list of web elements</a:t>
+                      </a:r>
+                      <a:endParaRPr lang="en-US" sz="1100" b="1" dirty="0">
+                        <a:effectLst>
+                          <a:outerShdw blurRad="38100" dist="38100" dir="2700000" algn="tl">
+                            <a:srgbClr val="000000">
+                              <a:alpha val="43137"/>
+                            </a:srgbClr>
+                          </a:outerShdw>
+                        </a:effectLst>
+                        <a:latin typeface="Calibri"/>
+                        <a:ea typeface="Times New Roman"/>
+                        <a:cs typeface="Times New Roman"/>
+                      </a:endParaRPr>
+                    </a:p>
+                  </a:txBody>
+                  <a:tcPr marL="76200" marR="76200" marT="0" marB="0"/>
+                </a:tc>
+              </a:tr>
+              <a:tr h="1050233">
+                <a:tc>
+                  <a:txBody>
+                    <a:bodyPr/>
+                    <a:lstStyle/>
+                    <a:p>
+                      <a:pPr marL="0" marR="0">
+                        <a:lnSpc>
+                          <a:spcPct val="125000"/>
+                        </a:lnSpc>
+                        <a:spcBef>
+                          <a:spcPts val="0"/>
+                        </a:spcBef>
+                        <a:spcAft>
+                          <a:spcPts val="1500"/>
+                        </a:spcAft>
+                      </a:pPr>
+                      <a:r>
+                        <a:rPr lang="en-US" sz="1350" b="1" dirty="0">
+                          <a:effectLst>
+                            <a:outerShdw blurRad="38100" dist="38100" dir="2700000" algn="tl">
+                              <a:srgbClr val="000000">
+                                <a:alpha val="43137"/>
+                              </a:srgbClr>
+                            </a:outerShdw>
+                          </a:effectLst>
+                        </a:rPr>
+                        <a:t>Throws exception NoSuchElementException if there are no elements matching the locator strategy</a:t>
+                      </a:r>
+                      <a:endParaRPr lang="en-US" sz="1100" b="1" dirty="0">
+                        <a:effectLst>
+                          <a:outerShdw blurRad="38100" dist="38100" dir="2700000" algn="tl">
+                            <a:srgbClr val="000000">
+                              <a:alpha val="43137"/>
+                            </a:srgbClr>
+                          </a:outerShdw>
+                        </a:effectLst>
+                        <a:latin typeface="Calibri"/>
+                        <a:ea typeface="Times New Roman"/>
+                        <a:cs typeface="Times New Roman"/>
+                      </a:endParaRPr>
+                    </a:p>
+                  </a:txBody>
+                  <a:tcPr marL="76200" marR="76200" marT="0" marB="0"/>
+                </a:tc>
+                <a:tc>
+                  <a:txBody>
+                    <a:bodyPr/>
+                    <a:lstStyle/>
+                    <a:p>
+                      <a:pPr marL="0" marR="0">
+                        <a:lnSpc>
+                          <a:spcPct val="125000"/>
+                        </a:lnSpc>
+                        <a:spcBef>
+                          <a:spcPts val="0"/>
+                        </a:spcBef>
+                        <a:spcAft>
+                          <a:spcPts val="1500"/>
+                        </a:spcAft>
+                      </a:pPr>
+                      <a:r>
+                        <a:rPr lang="en-US" sz="1350" b="1" dirty="0">
+                          <a:effectLst>
+                            <a:outerShdw blurRad="38100" dist="38100" dir="2700000" algn="tl">
+                              <a:srgbClr val="000000">
+                                <a:alpha val="43137"/>
+                              </a:srgbClr>
+                            </a:outerShdw>
+                          </a:effectLst>
+                        </a:rPr>
+                        <a:t>Returns an empty list if there are no web elements matching the locator strategy</a:t>
+                      </a:r>
+                      <a:endParaRPr lang="en-US" sz="1100" b="1" dirty="0">
+                        <a:effectLst>
+                          <a:outerShdw blurRad="38100" dist="38100" dir="2700000" algn="tl">
+                            <a:srgbClr val="000000">
+                              <a:alpha val="43137"/>
+                            </a:srgbClr>
+                          </a:outerShdw>
+                        </a:effectLst>
+                        <a:latin typeface="Calibri"/>
+                        <a:ea typeface="Times New Roman"/>
+                        <a:cs typeface="Times New Roman"/>
+                      </a:endParaRPr>
+                    </a:p>
+                  </a:txBody>
+                  <a:tcPr marL="76200" marR="76200" marT="0" marB="0"/>
+                </a:tc>
+              </a:tr>
+              <a:tr h="691322">
+                <a:tc>
+                  <a:txBody>
+                    <a:bodyPr/>
+                    <a:lstStyle/>
+                    <a:p>
+                      <a:pPr marL="0" marR="0">
+                        <a:lnSpc>
+                          <a:spcPct val="125000"/>
+                        </a:lnSpc>
+                        <a:spcBef>
+                          <a:spcPts val="0"/>
+                        </a:spcBef>
+                        <a:spcAft>
+                          <a:spcPts val="1500"/>
+                        </a:spcAft>
+                      </a:pPr>
+                      <a:r>
+                        <a:rPr lang="en-US" sz="1350" b="1" dirty="0">
+                          <a:effectLst>
+                            <a:outerShdw blurRad="38100" dist="38100" dir="2700000" algn="tl">
+                              <a:srgbClr val="000000">
+                                <a:alpha val="43137"/>
+                              </a:srgbClr>
+                            </a:outerShdw>
+                          </a:effectLst>
+                        </a:rPr>
+                        <a:t>It will only find one web element</a:t>
+                      </a:r>
+                      <a:endParaRPr lang="en-US" sz="1100" b="1" dirty="0">
+                        <a:effectLst>
+                          <a:outerShdw blurRad="38100" dist="38100" dir="2700000" algn="tl">
+                            <a:srgbClr val="000000">
+                              <a:alpha val="43137"/>
+                            </a:srgbClr>
+                          </a:outerShdw>
+                        </a:effectLst>
+                        <a:latin typeface="Calibri"/>
+                        <a:ea typeface="Times New Roman"/>
+                        <a:cs typeface="Times New Roman"/>
+                      </a:endParaRPr>
+                    </a:p>
+                  </a:txBody>
+                  <a:tcPr marL="76200" marR="76200" marT="0" marB="0"/>
+                </a:tc>
+                <a:tc>
+                  <a:txBody>
+                    <a:bodyPr/>
+                    <a:lstStyle/>
+                    <a:p>
+                      <a:pPr marL="0" marR="0">
+                        <a:lnSpc>
+                          <a:spcPct val="125000"/>
+                        </a:lnSpc>
+                        <a:spcBef>
+                          <a:spcPts val="0"/>
+                        </a:spcBef>
+                        <a:spcAft>
+                          <a:spcPts val="1500"/>
+                        </a:spcAft>
+                      </a:pPr>
+                      <a:r>
+                        <a:rPr lang="en-US" sz="1350" b="1" dirty="0">
+                          <a:effectLst>
+                            <a:outerShdw blurRad="38100" dist="38100" dir="2700000" algn="tl">
+                              <a:srgbClr val="000000">
+                                <a:alpha val="43137"/>
+                              </a:srgbClr>
+                            </a:outerShdw>
+                          </a:effectLst>
+                        </a:rPr>
+                        <a:t>It will find a collection of elements whose match the locator strategy.</a:t>
+                      </a:r>
+                      <a:endParaRPr lang="en-US" sz="1100" b="1" dirty="0">
+                        <a:effectLst>
+                          <a:outerShdw blurRad="38100" dist="38100" dir="2700000" algn="tl">
+                            <a:srgbClr val="000000">
+                              <a:alpha val="43137"/>
+                            </a:srgbClr>
+                          </a:outerShdw>
+                        </a:effectLst>
+                        <a:latin typeface="Calibri"/>
+                        <a:ea typeface="Times New Roman"/>
+                        <a:cs typeface="Times New Roman"/>
+                      </a:endParaRPr>
+                    </a:p>
+                  </a:txBody>
+                  <a:tcPr marL="76200" marR="76200" marT="0" marB="0"/>
+                </a:tc>
+              </a:tr>
+            </a:tbl>
+          </a:graphicData>
+        </a:graphic>
+      </p:graphicFrame>
+      <p:sp>
+        <p:nvSpPr>
+          <p:cNvPr id="11" name="Rectangle 4"/>
+          <p:cNvSpPr>
+            <a:spLocks noChangeArrowheads="1"/>
+          </p:cNvSpPr>
+          <p:nvPr/>
+        </p:nvSpPr>
+        <p:spPr bwMode="auto">
+          <a:xfrm>
+            <a:off x="304800" y="3113560"/>
+            <a:ext cx="8137356" cy="523220"/>
+          </a:xfrm>
+          <a:prstGeom prst="rect">
+            <a:avLst/>
+          </a:prstGeom>
+          <a:noFill/>
+          <a:ln>
+            <a:noFill/>
+          </a:ln>
+          <a:effectLst/>
+          <a:extLst>
+            <a:ext uri="{909E8E84-426E-40DD-AFC4-6F175D3DCCD1}">
+              <a14:hiddenFill xmlns:a14="http://schemas.microsoft.com/office/drawing/2010/main">
+                <a:solidFill>
+                  <a:schemeClr val="accent1"/>
+                </a:solidFill>
+              </a14:hiddenFill>
+            </a:ext>
+            <a:ext uri="{91240B29-F687-4F45-9708-019B960494DF}">
+              <a14:hiddenLine xmlns:a14="http://schemas.microsoft.com/office/drawing/2010/main" w="9525">
+                <a:solidFill>
+                  <a:schemeClr val="tx1"/>
+                </a:solidFill>
+                <a:miter lim="800000"/>
+                <a:headEnd/>
+                <a:tailEnd/>
+              </a14:hiddenLine>
+            </a:ext>
+            <a:ext uri="{AF507438-7753-43E0-B8FC-AC1667EBCBE1}">
+              <a14:hiddenEffects xmlns:a14="http://schemas.microsoft.com/office/drawing/2010/main">
+                <a:effectLst>
+                  <a:outerShdw dist="35921" dir="2700000" algn="ctr" rotWithShape="0">
+                    <a:schemeClr val="bg2"/>
+                  </a:outerShdw>
+                </a:effectLst>
+              </a14:hiddenEffects>
+            </a:ext>
+          </a:extLst>
+        </p:spPr>
+        <p:txBody>
+          <a:bodyPr vert="horz" wrap="none" lIns="91440" tIns="45720" rIns="91440" bIns="45720" numCol="1" anchor="ctr" anchorCtr="0" compatLnSpc="1">
+            <a:prstTxWarp prst="textNoShape">
+              <a:avLst/>
+            </a:prstTxWarp>
+            <a:spAutoFit/>
+          </a:bodyPr>
+          <a:lstStyle/>
+          <a:p>
+            <a:pPr marL="0" marR="0" lvl="0" indent="0" algn="l" defTabSz="914400" rtl="0" eaLnBrk="1" fontAlgn="base" latinLnBrk="0" hangingPunct="1">
+              <a:lnSpc>
+                <a:spcPct val="100000"/>
+              </a:lnSpc>
+              <a:spcBef>
+                <a:spcPct val="0"/>
+              </a:spcBef>
+              <a:spcAft>
+                <a:spcPct val="0"/>
+              </a:spcAft>
+              <a:buClrTx/>
+              <a:buSzTx/>
+              <a:buFontTx/>
+              <a:buNone/>
+              <a:tabLst/>
+            </a:pPr>
+            <a:r>
+              <a:rPr kumimoji="0" lang="en-US" sz="2800" b="1" i="0" u="none" strike="noStrike" cap="none" normalizeH="0" baseline="0" dirty="0" smtClean="0">
+                <a:ln>
+                  <a:noFill/>
+                </a:ln>
+                <a:solidFill>
+                  <a:srgbClr val="FF0000"/>
+                </a:solidFill>
+                <a:effectLst>
+                  <a:outerShdw blurRad="38100" dist="38100" dir="2700000" algn="tl">
+                    <a:srgbClr val="000000">
+                      <a:alpha val="43137"/>
+                    </a:srgbClr>
+                  </a:outerShdw>
+                </a:effectLst>
+                <a:latin typeface="Calibri" pitchFamily="34" charset="0"/>
+                <a:ea typeface="Arial" pitchFamily="34" charset="0"/>
+                <a:cs typeface="Times New Roman" pitchFamily="18" charset="0"/>
+              </a:rPr>
+              <a:t>Differences between  FindElement and FindElements.</a:t>
+            </a:r>
+            <a:endParaRPr kumimoji="0" lang="en-US" sz="2800" b="1" i="0" u="none" strike="noStrike" cap="none" normalizeH="0" baseline="0" dirty="0" smtClean="0">
+              <a:ln>
+                <a:noFill/>
+              </a:ln>
+              <a:solidFill>
+                <a:srgbClr val="FF0000"/>
+              </a:solidFill>
+              <a:effectLst>
+                <a:outerShdw blurRad="38100" dist="38100" dir="2700000" algn="tl">
+                  <a:srgbClr val="000000">
+                    <a:alpha val="43137"/>
+                  </a:srgbClr>
+                </a:outerShdw>
+              </a:effectLst>
+              <a:latin typeface="Arial" pitchFamily="34" charset="0"/>
+              <a:cs typeface="Arial" pitchFamily="34" charset="0"/>
+            </a:endParaRPr>
+          </a:p>
+        </p:txBody>
+      </p:sp>
+    </p:spTree>
+    <p:extLst>
+      <p:ext uri="{BB962C8B-B14F-4D97-AF65-F5344CB8AC3E}">
+        <p14:creationId xmlns:p14="http://schemas.microsoft.com/office/powerpoint/2010/main" val="281574663"/>
+      </p:ext>
+    </p:extLst>
+  </p:cSld>
+  <p:clrMapOvr>
+    <a:masterClrMapping/>
+  </p:clrMapOvr>
+  <p:timing>
+    <p:tnLst>
+      <p:par>
+        <p:cTn id="1" dur="indefinite" restart="never" nodeType="tmRoot"/>
+      </p:par>
+    </p:tnLst>
+  </p:timing>
+</p:sld>
+</file>
+
+<file path=ppt/slides/slide23.xml><?xml version="1.0" encoding="utf-8"?>
+<p:sld xmlns:a="http://schemas.openxmlformats.org/drawingml/2006/main" xmlns:r="http://schemas.openxmlformats.org/officeDocument/2006/relationships" xmlns:p="http://schemas.openxmlformats.org/presentationml/2006/main">
+  <p:cSld>
+    <p:spTree>
+      <p:nvGrpSpPr>
+        <p:cNvPr id="1" name=""/>
+        <p:cNvGrpSpPr/>
+        <p:nvPr/>
+      </p:nvGrpSpPr>
+      <p:grpSpPr>
+        <a:xfrm>
+          <a:off x="0" y="0"/>
+          <a:ext cx="0" cy="0"/>
+          <a:chOff x="0" y="0"/>
+          <a:chExt cx="0" cy="0"/>
+        </a:xfrm>
+      </p:grpSpPr>
+      <p:sp>
+        <p:nvSpPr>
+          <p:cNvPr id="4" name="TextBox 3"/>
+          <p:cNvSpPr txBox="1"/>
+          <p:nvPr/>
+        </p:nvSpPr>
+        <p:spPr>
+          <a:xfrm>
             <a:off x="228600" y="27709"/>
             <a:ext cx="1967398" cy="707886"/>
           </a:xfrm>
@@ -9822,7 +11261,7 @@
           <a:lstStyle/>
           <a:p>
             <a:pPr algn="ctr"/>
-            <a:endParaRPr lang="en-US"/>
+            <a:endParaRPr lang="en-US" dirty="0"/>
           </a:p>
         </p:txBody>
       </p:sp>
@@ -10057,7 +11496,7 @@
         </p:nvSpPr>
         <p:spPr>
           <a:xfrm>
-            <a:off x="4055096" y="1447800"/>
+            <a:off x="3872844" y="1444336"/>
             <a:ext cx="364504" cy="367144"/>
           </a:xfrm>
           <a:prstGeom prst="rightArrow">
@@ -10085,7 +11524,7 @@
           <a:lstStyle/>
           <a:p>
             <a:pPr algn="ctr"/>
-            <a:endParaRPr lang="en-US"/>
+            <a:endParaRPr lang="en-US" dirty="0"/>
           </a:p>
         </p:txBody>
       </p:sp>
@@ -10121,10 +11560,1761 @@
           </a:p>
         </p:txBody>
       </p:sp>
+      <p:pic>
+        <p:nvPicPr>
+          <p:cNvPr id="11" name="Picture 2" descr="C:\Users\Ankur\Downloads\logo.png"/>
+          <p:cNvPicPr>
+            <a:picLocks noChangeAspect="1" noChangeArrowheads="1"/>
+          </p:cNvPicPr>
+          <p:nvPr/>
+        </p:nvPicPr>
+        <p:blipFill>
+          <a:blip r:embed="rId2">
+            <a:extLst>
+              <a:ext uri="{28A0092B-C50C-407E-A947-70E740481C1C}">
+                <a14:useLocalDpi xmlns:a14="http://schemas.microsoft.com/office/drawing/2010/main" val="0"/>
+              </a:ext>
+            </a:extLst>
+          </a:blip>
+          <a:srcRect/>
+          <a:stretch>
+            <a:fillRect/>
+          </a:stretch>
+        </p:blipFill>
+        <p:spPr bwMode="auto">
+          <a:xfrm>
+            <a:off x="1066800" y="2895600"/>
+            <a:ext cx="1905000" cy="1724025"/>
+          </a:xfrm>
+          <a:prstGeom prst="rect">
+            <a:avLst/>
+          </a:prstGeom>
+          <a:noFill/>
+          <a:extLst>
+            <a:ext uri="{909E8E84-426E-40DD-AFC4-6F175D3DCCD1}">
+              <a14:hiddenFill xmlns:a14="http://schemas.microsoft.com/office/drawing/2010/main">
+                <a:solidFill>
+                  <a:srgbClr val="FFFFFF"/>
+                </a:solidFill>
+              </a14:hiddenFill>
+            </a:ext>
+          </a:extLst>
+        </p:spPr>
+      </p:pic>
+      <p:cxnSp>
+        <p:nvCxnSpPr>
+          <p:cNvPr id="3" name="Straight Arrow Connector 2"/>
+          <p:cNvCxnSpPr/>
+          <p:nvPr/>
+        </p:nvCxnSpPr>
+        <p:spPr>
+          <a:xfrm flipV="1">
+            <a:off x="2743200" y="1627908"/>
+            <a:ext cx="1905000" cy="1446069"/>
+          </a:xfrm>
+          <a:prstGeom prst="straightConnector1">
+            <a:avLst/>
+          </a:prstGeom>
+          <a:ln w="28575">
+            <a:solidFill>
+              <a:schemeClr val="tx1">
+                <a:lumMod val="95000"/>
+                <a:lumOff val="5000"/>
+              </a:schemeClr>
+            </a:solidFill>
+            <a:tailEnd type="arrow"/>
+          </a:ln>
+        </p:spPr>
+        <p:style>
+          <a:lnRef idx="1">
+            <a:schemeClr val="accent1"/>
+          </a:lnRef>
+          <a:fillRef idx="0">
+            <a:schemeClr val="accent1"/>
+          </a:fillRef>
+          <a:effectRef idx="0">
+            <a:schemeClr val="accent1"/>
+          </a:effectRef>
+          <a:fontRef idx="minor">
+            <a:schemeClr val="tx1"/>
+          </a:fontRef>
+        </p:style>
+      </p:cxnSp>
+      <p:cxnSp>
+        <p:nvCxnSpPr>
+          <p:cNvPr id="12" name="Straight Arrow Connector 11"/>
+          <p:cNvCxnSpPr/>
+          <p:nvPr/>
+        </p:nvCxnSpPr>
+        <p:spPr>
+          <a:xfrm flipV="1">
+            <a:off x="2743200" y="1981200"/>
+            <a:ext cx="2057400" cy="1481883"/>
+          </a:xfrm>
+          <a:prstGeom prst="straightConnector1">
+            <a:avLst/>
+          </a:prstGeom>
+          <a:ln w="28575">
+            <a:solidFill>
+              <a:schemeClr val="tx1">
+                <a:lumMod val="95000"/>
+                <a:lumOff val="5000"/>
+              </a:schemeClr>
+            </a:solidFill>
+            <a:tailEnd type="arrow"/>
+          </a:ln>
+        </p:spPr>
+        <p:style>
+          <a:lnRef idx="1">
+            <a:schemeClr val="accent1"/>
+          </a:lnRef>
+          <a:fillRef idx="0">
+            <a:schemeClr val="accent1"/>
+          </a:fillRef>
+          <a:effectRef idx="0">
+            <a:schemeClr val="accent1"/>
+          </a:effectRef>
+          <a:fontRef idx="minor">
+            <a:schemeClr val="tx1"/>
+          </a:fontRef>
+        </p:style>
+      </p:cxnSp>
+      <p:cxnSp>
+        <p:nvCxnSpPr>
+          <p:cNvPr id="14" name="Straight Arrow Connector 13"/>
+          <p:cNvCxnSpPr/>
+          <p:nvPr/>
+        </p:nvCxnSpPr>
+        <p:spPr>
+          <a:xfrm flipV="1">
+            <a:off x="2743200" y="2490354"/>
+            <a:ext cx="2057400" cy="1267258"/>
+          </a:xfrm>
+          <a:prstGeom prst="straightConnector1">
+            <a:avLst/>
+          </a:prstGeom>
+          <a:ln w="28575">
+            <a:solidFill>
+              <a:schemeClr val="tx1">
+                <a:lumMod val="95000"/>
+                <a:lumOff val="5000"/>
+              </a:schemeClr>
+            </a:solidFill>
+            <a:tailEnd type="arrow"/>
+          </a:ln>
+        </p:spPr>
+        <p:style>
+          <a:lnRef idx="1">
+            <a:schemeClr val="accent1"/>
+          </a:lnRef>
+          <a:fillRef idx="0">
+            <a:schemeClr val="accent1"/>
+          </a:fillRef>
+          <a:effectRef idx="0">
+            <a:schemeClr val="accent1"/>
+          </a:effectRef>
+          <a:fontRef idx="minor">
+            <a:schemeClr val="tx1"/>
+          </a:fontRef>
+        </p:style>
+      </p:cxnSp>
+      <p:cxnSp>
+        <p:nvCxnSpPr>
+          <p:cNvPr id="19" name="Straight Arrow Connector 18"/>
+          <p:cNvCxnSpPr/>
+          <p:nvPr/>
+        </p:nvCxnSpPr>
+        <p:spPr>
+          <a:xfrm flipV="1">
+            <a:off x="2743200" y="2967782"/>
+            <a:ext cx="1905000" cy="990600"/>
+          </a:xfrm>
+          <a:prstGeom prst="straightConnector1">
+            <a:avLst/>
+          </a:prstGeom>
+          <a:ln w="28575">
+            <a:solidFill>
+              <a:schemeClr val="tx1">
+                <a:lumMod val="95000"/>
+                <a:lumOff val="5000"/>
+              </a:schemeClr>
+            </a:solidFill>
+            <a:tailEnd type="arrow"/>
+          </a:ln>
+        </p:spPr>
+        <p:style>
+          <a:lnRef idx="1">
+            <a:schemeClr val="accent1"/>
+          </a:lnRef>
+          <a:fillRef idx="0">
+            <a:schemeClr val="accent1"/>
+          </a:fillRef>
+          <a:effectRef idx="0">
+            <a:schemeClr val="accent1"/>
+          </a:effectRef>
+          <a:fontRef idx="minor">
+            <a:schemeClr val="tx1"/>
+          </a:fontRef>
+        </p:style>
+      </p:cxnSp>
+      <p:cxnSp>
+        <p:nvCxnSpPr>
+          <p:cNvPr id="25" name="Straight Arrow Connector 24"/>
+          <p:cNvCxnSpPr>
+            <a:endCxn id="8" idx="1"/>
+          </p:cNvCxnSpPr>
+          <p:nvPr/>
+        </p:nvCxnSpPr>
+        <p:spPr>
+          <a:xfrm flipV="1">
+            <a:off x="2895600" y="3463083"/>
+            <a:ext cx="1752600" cy="651717"/>
+          </a:xfrm>
+          <a:prstGeom prst="straightConnector1">
+            <a:avLst/>
+          </a:prstGeom>
+          <a:ln w="28575">
+            <a:solidFill>
+              <a:schemeClr val="tx1">
+                <a:lumMod val="95000"/>
+                <a:lumOff val="5000"/>
+              </a:schemeClr>
+            </a:solidFill>
+            <a:tailEnd type="arrow"/>
+          </a:ln>
+        </p:spPr>
+        <p:style>
+          <a:lnRef idx="1">
+            <a:schemeClr val="accent1"/>
+          </a:lnRef>
+          <a:fillRef idx="0">
+            <a:schemeClr val="accent1"/>
+          </a:fillRef>
+          <a:effectRef idx="0">
+            <a:schemeClr val="accent1"/>
+          </a:effectRef>
+          <a:fontRef idx="minor">
+            <a:schemeClr val="tx1"/>
+          </a:fontRef>
+        </p:style>
+      </p:cxnSp>
+      <p:cxnSp>
+        <p:nvCxnSpPr>
+          <p:cNvPr id="35" name="Straight Arrow Connector 34"/>
+          <p:cNvCxnSpPr/>
+          <p:nvPr/>
+        </p:nvCxnSpPr>
+        <p:spPr>
+          <a:xfrm flipV="1">
+            <a:off x="2895600" y="3941342"/>
+            <a:ext cx="1905000" cy="325858"/>
+          </a:xfrm>
+          <a:prstGeom prst="straightConnector1">
+            <a:avLst/>
+          </a:prstGeom>
+          <a:ln w="28575">
+            <a:solidFill>
+              <a:schemeClr val="tx1">
+                <a:lumMod val="95000"/>
+                <a:lumOff val="5000"/>
+              </a:schemeClr>
+            </a:solidFill>
+            <a:tailEnd type="arrow"/>
+          </a:ln>
+        </p:spPr>
+        <p:style>
+          <a:lnRef idx="1">
+            <a:schemeClr val="accent1"/>
+          </a:lnRef>
+          <a:fillRef idx="0">
+            <a:schemeClr val="accent1"/>
+          </a:fillRef>
+          <a:effectRef idx="0">
+            <a:schemeClr val="accent1"/>
+          </a:effectRef>
+          <a:fontRef idx="minor">
+            <a:schemeClr val="tx1"/>
+          </a:fontRef>
+        </p:style>
+      </p:cxnSp>
+      <p:cxnSp>
+        <p:nvCxnSpPr>
+          <p:cNvPr id="38" name="Straight Arrow Connector 37"/>
+          <p:cNvCxnSpPr/>
+          <p:nvPr/>
+        </p:nvCxnSpPr>
+        <p:spPr>
+          <a:xfrm>
+            <a:off x="2895600" y="4419600"/>
+            <a:ext cx="1828800" cy="0"/>
+          </a:xfrm>
+          <a:prstGeom prst="straightConnector1">
+            <a:avLst/>
+          </a:prstGeom>
+          <a:ln w="28575">
+            <a:solidFill>
+              <a:schemeClr val="tx1">
+                <a:lumMod val="95000"/>
+                <a:lumOff val="5000"/>
+              </a:schemeClr>
+            </a:solidFill>
+            <a:tailEnd type="arrow"/>
+          </a:ln>
+        </p:spPr>
+        <p:style>
+          <a:lnRef idx="1">
+            <a:schemeClr val="accent1"/>
+          </a:lnRef>
+          <a:fillRef idx="0">
+            <a:schemeClr val="accent1"/>
+          </a:fillRef>
+          <a:effectRef idx="0">
+            <a:schemeClr val="accent1"/>
+          </a:effectRef>
+          <a:fontRef idx="minor">
+            <a:schemeClr val="tx1"/>
+          </a:fontRef>
+        </p:style>
+      </p:cxnSp>
+      <p:cxnSp>
+        <p:nvCxnSpPr>
+          <p:cNvPr id="41" name="Straight Arrow Connector 40"/>
+          <p:cNvCxnSpPr/>
+          <p:nvPr/>
+        </p:nvCxnSpPr>
+        <p:spPr>
+          <a:xfrm>
+            <a:off x="2743200" y="4619625"/>
+            <a:ext cx="1981200" cy="333375"/>
+          </a:xfrm>
+          <a:prstGeom prst="straightConnector1">
+            <a:avLst/>
+          </a:prstGeom>
+          <a:ln w="28575">
+            <a:solidFill>
+              <a:schemeClr val="tx1">
+                <a:lumMod val="95000"/>
+                <a:lumOff val="5000"/>
+              </a:schemeClr>
+            </a:solidFill>
+            <a:tailEnd type="arrow"/>
+          </a:ln>
+        </p:spPr>
+        <p:style>
+          <a:lnRef idx="1">
+            <a:schemeClr val="accent1"/>
+          </a:lnRef>
+          <a:fillRef idx="0">
+            <a:schemeClr val="accent1"/>
+          </a:fillRef>
+          <a:effectRef idx="0">
+            <a:schemeClr val="accent1"/>
+          </a:effectRef>
+          <a:fontRef idx="minor">
+            <a:schemeClr val="tx1"/>
+          </a:fontRef>
+        </p:style>
+      </p:cxnSp>
     </p:spTree>
     <p:extLst>
       <p:ext uri="{BB962C8B-B14F-4D97-AF65-F5344CB8AC3E}">
         <p14:creationId xmlns:p14="http://schemas.microsoft.com/office/powerpoint/2010/main" val="2670726120"/>
+      </p:ext>
+    </p:extLst>
+  </p:cSld>
+  <p:clrMapOvr>
+    <a:masterClrMapping/>
+  </p:clrMapOvr>
+  <p:timing>
+    <p:tnLst>
+      <p:par>
+        <p:cTn id="1" dur="indefinite" restart="never" nodeType="tmRoot"/>
+      </p:par>
+    </p:tnLst>
+  </p:timing>
+</p:sld>
+</file>
+
+<file path=ppt/slides/slide24.xml><?xml version="1.0" encoding="utf-8"?>
+<p:sld xmlns:a="http://schemas.openxmlformats.org/drawingml/2006/main" xmlns:r="http://schemas.openxmlformats.org/officeDocument/2006/relationships" xmlns:p="http://schemas.openxmlformats.org/presentationml/2006/main">
+  <p:cSld>
+    <p:spTree>
+      <p:nvGrpSpPr>
+        <p:cNvPr id="1" name=""/>
+        <p:cNvGrpSpPr/>
+        <p:nvPr/>
+      </p:nvGrpSpPr>
+      <p:grpSpPr>
+        <a:xfrm>
+          <a:off x="0" y="0"/>
+          <a:ext cx="0" cy="0"/>
+          <a:chOff x="0" y="0"/>
+          <a:chExt cx="0" cy="0"/>
+        </a:xfrm>
+      </p:grpSpPr>
+      <p:pic>
+        <p:nvPicPr>
+          <p:cNvPr id="4" name="Picture 3"/>
+          <p:cNvPicPr>
+            <a:picLocks noChangeAspect="1"/>
+          </p:cNvPicPr>
+          <p:nvPr/>
+        </p:nvPicPr>
+        <p:blipFill rotWithShape="1">
+          <a:blip r:embed="rId2">
+            <a:extLst>
+              <a:ext uri="{28A0092B-C50C-407E-A947-70E740481C1C}">
+                <a14:useLocalDpi xmlns:a14="http://schemas.microsoft.com/office/drawing/2010/main" val="0"/>
+              </a:ext>
+            </a:extLst>
+          </a:blip>
+          <a:srcRect l="22727" t="9459" r="1666" b="26926"/>
+          <a:stretch/>
+        </p:blipFill>
+        <p:spPr>
+          <a:xfrm>
+            <a:off x="1406236" y="415636"/>
+            <a:ext cx="6913418" cy="2798618"/>
+          </a:xfrm>
+          <a:prstGeom prst="rect">
+            <a:avLst/>
+          </a:prstGeom>
+        </p:spPr>
+      </p:pic>
+      <p:cxnSp>
+        <p:nvCxnSpPr>
+          <p:cNvPr id="6" name="Straight Arrow Connector 5"/>
+          <p:cNvCxnSpPr/>
+          <p:nvPr/>
+        </p:nvCxnSpPr>
+        <p:spPr>
+          <a:xfrm flipV="1">
+            <a:off x="914400" y="2286000"/>
+            <a:ext cx="1524000" cy="1143000"/>
+          </a:xfrm>
+          <a:prstGeom prst="straightConnector1">
+            <a:avLst/>
+          </a:prstGeom>
+          <a:ln w="76200">
+            <a:solidFill>
+              <a:schemeClr val="bg2">
+                <a:lumMod val="10000"/>
+              </a:schemeClr>
+            </a:solidFill>
+            <a:tailEnd type="arrow"/>
+          </a:ln>
+        </p:spPr>
+        <p:style>
+          <a:lnRef idx="1">
+            <a:schemeClr val="accent1"/>
+          </a:lnRef>
+          <a:fillRef idx="0">
+            <a:schemeClr val="accent1"/>
+          </a:fillRef>
+          <a:effectRef idx="0">
+            <a:schemeClr val="accent1"/>
+          </a:effectRef>
+          <a:fontRef idx="minor">
+            <a:schemeClr val="tx1"/>
+          </a:fontRef>
+        </p:style>
+      </p:cxnSp>
+      <p:sp>
+        <p:nvSpPr>
+          <p:cNvPr id="7" name="TextBox 6"/>
+          <p:cNvSpPr txBox="1"/>
+          <p:nvPr/>
+        </p:nvSpPr>
+        <p:spPr>
+          <a:xfrm>
+            <a:off x="152400" y="3422073"/>
+            <a:ext cx="8991600" cy="954107"/>
+          </a:xfrm>
+          <a:prstGeom prst="rect">
+            <a:avLst/>
+          </a:prstGeom>
+          <a:noFill/>
+        </p:spPr>
+        <p:txBody>
+          <a:bodyPr wrap="square" rtlCol="0">
+            <a:spAutoFit/>
+          </a:bodyPr>
+          <a:lstStyle/>
+          <a:p>
+            <a:r>
+              <a:rPr lang="en-US" sz="2800" b="1" dirty="0" smtClean="0">
+                <a:solidFill>
+                  <a:srgbClr val="FF0000"/>
+                </a:solidFill>
+                <a:effectLst>
+                  <a:outerShdw blurRad="38100" dist="38100" dir="2700000" algn="tl">
+                    <a:srgbClr val="000000">
+                      <a:alpha val="43137"/>
+                    </a:srgbClr>
+                  </a:outerShdw>
+                </a:effectLst>
+              </a:rPr>
+              <a:t>To find the Google SearchBar we need to inspect the element than we need to take locator value.</a:t>
+            </a:r>
+            <a:endParaRPr lang="en-US" sz="2800" b="1" dirty="0">
+              <a:solidFill>
+                <a:srgbClr val="FF0000"/>
+              </a:solidFill>
+              <a:effectLst>
+                <a:outerShdw blurRad="38100" dist="38100" dir="2700000" algn="tl">
+                  <a:srgbClr val="000000">
+                    <a:alpha val="43137"/>
+                  </a:srgbClr>
+                </a:outerShdw>
+              </a:effectLst>
+            </a:endParaRPr>
+          </a:p>
+        </p:txBody>
+      </p:sp>
+      <p:pic>
+        <p:nvPicPr>
+          <p:cNvPr id="8" name="Picture 7"/>
+          <p:cNvPicPr>
+            <a:picLocks noChangeAspect="1"/>
+          </p:cNvPicPr>
+          <p:nvPr/>
+        </p:nvPicPr>
+        <p:blipFill rotWithShape="1">
+          <a:blip r:embed="rId3">
+            <a:extLst>
+              <a:ext uri="{28A0092B-C50C-407E-A947-70E740481C1C}">
+                <a14:useLocalDpi xmlns:a14="http://schemas.microsoft.com/office/drawing/2010/main" val="0"/>
+              </a:ext>
+            </a:extLst>
+          </a:blip>
+          <a:srcRect t="47979" b="5399"/>
+          <a:stretch/>
+        </p:blipFill>
+        <p:spPr>
+          <a:xfrm>
+            <a:off x="304800" y="4348471"/>
+            <a:ext cx="8243454" cy="2015836"/>
+          </a:xfrm>
+          <a:prstGeom prst="rect">
+            <a:avLst/>
+          </a:prstGeom>
+        </p:spPr>
+      </p:pic>
+    </p:spTree>
+    <p:extLst>
+      <p:ext uri="{BB962C8B-B14F-4D97-AF65-F5344CB8AC3E}">
+        <p14:creationId xmlns:p14="http://schemas.microsoft.com/office/powerpoint/2010/main" val="2236684194"/>
+      </p:ext>
+    </p:extLst>
+  </p:cSld>
+  <p:clrMapOvr>
+    <a:masterClrMapping/>
+  </p:clrMapOvr>
+  <p:timing>
+    <p:tnLst>
+      <p:par>
+        <p:cTn id="1" dur="indefinite" restart="never" nodeType="tmRoot"/>
+      </p:par>
+    </p:tnLst>
+  </p:timing>
+</p:sld>
+</file>
+
+<file path=ppt/slides/slide25.xml><?xml version="1.0" encoding="utf-8"?>
+<p:sld xmlns:a="http://schemas.openxmlformats.org/drawingml/2006/main" xmlns:r="http://schemas.openxmlformats.org/officeDocument/2006/relationships" xmlns:p="http://schemas.openxmlformats.org/presentationml/2006/main">
+  <p:cSld>
+    <p:spTree>
+      <p:nvGrpSpPr>
+        <p:cNvPr id="1" name=""/>
+        <p:cNvGrpSpPr/>
+        <p:nvPr/>
+      </p:nvGrpSpPr>
+      <p:grpSpPr>
+        <a:xfrm>
+          <a:off x="0" y="0"/>
+          <a:ext cx="0" cy="0"/>
+          <a:chOff x="0" y="0"/>
+          <a:chExt cx="0" cy="0"/>
+        </a:xfrm>
+      </p:grpSpPr>
+      <p:sp>
+        <p:nvSpPr>
+          <p:cNvPr id="4" name="TextBox 3"/>
+          <p:cNvSpPr txBox="1"/>
+          <p:nvPr/>
+        </p:nvSpPr>
+        <p:spPr>
+          <a:xfrm>
+            <a:off x="0" y="286433"/>
+            <a:ext cx="9372600" cy="584775"/>
+          </a:xfrm>
+          <a:prstGeom prst="rect">
+            <a:avLst/>
+          </a:prstGeom>
+          <a:noFill/>
+        </p:spPr>
+        <p:txBody>
+          <a:bodyPr wrap="square" rtlCol="0">
+            <a:spAutoFit/>
+          </a:bodyPr>
+          <a:lstStyle/>
+          <a:p>
+            <a:r>
+              <a:rPr lang="en-US" sz="3200" b="1" dirty="0" smtClean="0">
+                <a:solidFill>
+                  <a:schemeClr val="tx2">
+                    <a:lumMod val="50000"/>
+                  </a:schemeClr>
+                </a:solidFill>
+                <a:effectLst>
+                  <a:outerShdw blurRad="38100" dist="38100" dir="2700000" algn="tl">
+                    <a:srgbClr val="000000">
+                      <a:alpha val="43137"/>
+                    </a:srgbClr>
+                  </a:outerShdw>
+                </a:effectLst>
+              </a:rPr>
+              <a:t>Webelement ele = driver.findElement(By.name(“q”));</a:t>
+            </a:r>
+            <a:endParaRPr lang="en-US" sz="3200" b="1" dirty="0">
+              <a:solidFill>
+                <a:schemeClr val="tx2">
+                  <a:lumMod val="50000"/>
+                </a:schemeClr>
+              </a:solidFill>
+              <a:effectLst>
+                <a:outerShdw blurRad="38100" dist="38100" dir="2700000" algn="tl">
+                  <a:srgbClr val="000000">
+                    <a:alpha val="43137"/>
+                  </a:srgbClr>
+                </a:outerShdw>
+              </a:effectLst>
+            </a:endParaRPr>
+          </a:p>
+        </p:txBody>
+      </p:sp>
+      <p:pic>
+        <p:nvPicPr>
+          <p:cNvPr id="7171" name="Picture 3" descr="C:\Users\Ankur\Downloads\selenium-webdriver-locating-strategies.png"/>
+          <p:cNvPicPr>
+            <a:picLocks noChangeAspect="1" noChangeArrowheads="1"/>
+          </p:cNvPicPr>
+          <p:nvPr/>
+        </p:nvPicPr>
+        <p:blipFill>
+          <a:blip r:embed="rId2">
+            <a:extLst>
+              <a:ext uri="{28A0092B-C50C-407E-A947-70E740481C1C}">
+                <a14:useLocalDpi xmlns:a14="http://schemas.microsoft.com/office/drawing/2010/main" val="0"/>
+              </a:ext>
+            </a:extLst>
+          </a:blip>
+          <a:srcRect/>
+          <a:stretch>
+            <a:fillRect/>
+          </a:stretch>
+        </p:blipFill>
+        <p:spPr bwMode="auto">
+          <a:xfrm>
+            <a:off x="1143000" y="1090286"/>
+            <a:ext cx="6535062" cy="5462914"/>
+          </a:xfrm>
+          <a:prstGeom prst="rect">
+            <a:avLst/>
+          </a:prstGeom>
+          <a:noFill/>
+          <a:extLst>
+            <a:ext uri="{909E8E84-426E-40DD-AFC4-6F175D3DCCD1}">
+              <a14:hiddenFill xmlns:a14="http://schemas.microsoft.com/office/drawing/2010/main">
+                <a:solidFill>
+                  <a:srgbClr val="FFFFFF"/>
+                </a:solidFill>
+              </a14:hiddenFill>
+            </a:ext>
+          </a:extLst>
+        </p:spPr>
+      </p:pic>
+    </p:spTree>
+    <p:extLst>
+      <p:ext uri="{BB962C8B-B14F-4D97-AF65-F5344CB8AC3E}">
+        <p14:creationId xmlns:p14="http://schemas.microsoft.com/office/powerpoint/2010/main" val="3192877267"/>
+      </p:ext>
+    </p:extLst>
+  </p:cSld>
+  <p:clrMapOvr>
+    <a:masterClrMapping/>
+  </p:clrMapOvr>
+  <p:timing>
+    <p:tnLst>
+      <p:par>
+        <p:cTn id="1" dur="indefinite" restart="never" nodeType="tmRoot"/>
+      </p:par>
+    </p:tnLst>
+  </p:timing>
+</p:sld>
+</file>
+
+<file path=ppt/slides/slide26.xml><?xml version="1.0" encoding="utf-8"?>
+<p:sld xmlns:a="http://schemas.openxmlformats.org/drawingml/2006/main" xmlns:r="http://schemas.openxmlformats.org/officeDocument/2006/relationships" xmlns:p="http://schemas.openxmlformats.org/presentationml/2006/main">
+  <p:cSld>
+    <p:spTree>
+      <p:nvGrpSpPr>
+        <p:cNvPr id="1" name=""/>
+        <p:cNvGrpSpPr/>
+        <p:nvPr/>
+      </p:nvGrpSpPr>
+      <p:grpSpPr>
+        <a:xfrm>
+          <a:off x="0" y="0"/>
+          <a:ext cx="0" cy="0"/>
+          <a:chOff x="0" y="0"/>
+          <a:chExt cx="0" cy="0"/>
+        </a:xfrm>
+      </p:grpSpPr>
+      <p:pic>
+        <p:nvPicPr>
+          <p:cNvPr id="8194" name="Picture 2" descr="C:\Users\Ankur\Downloads\main-qimg-cd0d005328fdf8e138877b30a35f5c8a.jpg"/>
+          <p:cNvPicPr>
+            <a:picLocks noChangeAspect="1" noChangeArrowheads="1"/>
+          </p:cNvPicPr>
+          <p:nvPr/>
+        </p:nvPicPr>
+        <p:blipFill>
+          <a:blip r:embed="rId2">
+            <a:extLst>
+              <a:ext uri="{28A0092B-C50C-407E-A947-70E740481C1C}">
+                <a14:useLocalDpi xmlns:a14="http://schemas.microsoft.com/office/drawing/2010/main" val="0"/>
+              </a:ext>
+            </a:extLst>
+          </a:blip>
+          <a:srcRect/>
+          <a:stretch>
+            <a:fillRect/>
+          </a:stretch>
+        </p:blipFill>
+        <p:spPr bwMode="auto">
+          <a:xfrm>
+            <a:off x="152400" y="152400"/>
+            <a:ext cx="8763000" cy="6705600"/>
+          </a:xfrm>
+          <a:prstGeom prst="rect">
+            <a:avLst/>
+          </a:prstGeom>
+          <a:noFill/>
+          <a:extLst>
+            <a:ext uri="{909E8E84-426E-40DD-AFC4-6F175D3DCCD1}">
+              <a14:hiddenFill xmlns:a14="http://schemas.microsoft.com/office/drawing/2010/main">
+                <a:solidFill>
+                  <a:srgbClr val="FFFFFF"/>
+                </a:solidFill>
+              </a14:hiddenFill>
+            </a:ext>
+          </a:extLst>
+        </p:spPr>
+      </p:pic>
+      <p:sp>
+        <p:nvSpPr>
+          <p:cNvPr id="4" name="TextBox 3"/>
+          <p:cNvSpPr txBox="1"/>
+          <p:nvPr/>
+        </p:nvSpPr>
+        <p:spPr>
+          <a:xfrm>
+            <a:off x="2743200" y="0"/>
+            <a:ext cx="3581400" cy="523220"/>
+          </a:xfrm>
+          <a:prstGeom prst="rect">
+            <a:avLst/>
+          </a:prstGeom>
+          <a:noFill/>
+        </p:spPr>
+        <p:txBody>
+          <a:bodyPr wrap="square" rtlCol="0">
+            <a:spAutoFit/>
+          </a:bodyPr>
+          <a:lstStyle/>
+          <a:p>
+            <a:r>
+              <a:rPr lang="en-US" sz="2800" b="1" dirty="0" smtClean="0">
+                <a:solidFill>
+                  <a:schemeClr val="tx2">
+                    <a:lumMod val="50000"/>
+                  </a:schemeClr>
+                </a:solidFill>
+                <a:effectLst>
+                  <a:outerShdw blurRad="38100" dist="38100" dir="2700000" algn="tl">
+                    <a:srgbClr val="000000">
+                      <a:alpha val="43137"/>
+                    </a:srgbClr>
+                  </a:outerShdw>
+                </a:effectLst>
+              </a:rPr>
+              <a:t>WebElement Methods</a:t>
+            </a:r>
+            <a:endParaRPr lang="en-US" sz="2800" b="1" dirty="0">
+              <a:solidFill>
+                <a:schemeClr val="tx2">
+                  <a:lumMod val="50000"/>
+                </a:schemeClr>
+              </a:solidFill>
+              <a:effectLst>
+                <a:outerShdw blurRad="38100" dist="38100" dir="2700000" algn="tl">
+                  <a:srgbClr val="000000">
+                    <a:alpha val="43137"/>
+                  </a:srgbClr>
+                </a:outerShdw>
+              </a:effectLst>
+            </a:endParaRPr>
+          </a:p>
+        </p:txBody>
+      </p:sp>
+    </p:spTree>
+    <p:extLst>
+      <p:ext uri="{BB962C8B-B14F-4D97-AF65-F5344CB8AC3E}">
+        <p14:creationId xmlns:p14="http://schemas.microsoft.com/office/powerpoint/2010/main" val="1293462984"/>
+      </p:ext>
+    </p:extLst>
+  </p:cSld>
+  <p:clrMapOvr>
+    <a:masterClrMapping/>
+  </p:clrMapOvr>
+  <p:timing>
+    <p:tnLst>
+      <p:par>
+        <p:cTn id="1" dur="indefinite" restart="never" nodeType="tmRoot"/>
+      </p:par>
+    </p:tnLst>
+  </p:timing>
+</p:sld>
+</file>
+
+<file path=ppt/slides/slide27.xml><?xml version="1.0" encoding="utf-8"?>
+<p:sld xmlns:a="http://schemas.openxmlformats.org/drawingml/2006/main" xmlns:r="http://schemas.openxmlformats.org/officeDocument/2006/relationships" xmlns:p="http://schemas.openxmlformats.org/presentationml/2006/main">
+  <p:cSld>
+    <p:spTree>
+      <p:nvGrpSpPr>
+        <p:cNvPr id="1" name=""/>
+        <p:cNvGrpSpPr/>
+        <p:nvPr/>
+      </p:nvGrpSpPr>
+      <p:grpSpPr>
+        <a:xfrm>
+          <a:off x="0" y="0"/>
+          <a:ext cx="0" cy="0"/>
+          <a:chOff x="0" y="0"/>
+          <a:chExt cx="0" cy="0"/>
+        </a:xfrm>
+      </p:grpSpPr>
+      <p:pic>
+        <p:nvPicPr>
+          <p:cNvPr id="9220" name="Picture 4" descr="C:\Users\Ankur\Downloads\Actions-class-in-Selenium-removebg-preview.png"/>
+          <p:cNvPicPr>
+            <a:picLocks noChangeAspect="1" noChangeArrowheads="1"/>
+          </p:cNvPicPr>
+          <p:nvPr/>
+        </p:nvPicPr>
+        <p:blipFill>
+          <a:blip r:embed="rId2">
+            <a:extLst>
+              <a:ext uri="{28A0092B-C50C-407E-A947-70E740481C1C}">
+                <a14:useLocalDpi xmlns:a14="http://schemas.microsoft.com/office/drawing/2010/main" val="0"/>
+              </a:ext>
+            </a:extLst>
+          </a:blip>
+          <a:srcRect/>
+          <a:stretch>
+            <a:fillRect/>
+          </a:stretch>
+        </p:blipFill>
+        <p:spPr bwMode="auto">
+          <a:xfrm>
+            <a:off x="152400" y="0"/>
+            <a:ext cx="3282492" cy="2209457"/>
+          </a:xfrm>
+          <a:prstGeom prst="rect">
+            <a:avLst/>
+          </a:prstGeom>
+          <a:noFill/>
+          <a:extLst>
+            <a:ext uri="{909E8E84-426E-40DD-AFC4-6F175D3DCCD1}">
+              <a14:hiddenFill xmlns:a14="http://schemas.microsoft.com/office/drawing/2010/main">
+                <a:solidFill>
+                  <a:srgbClr val="FFFFFF"/>
+                </a:solidFill>
+              </a14:hiddenFill>
+            </a:ext>
+          </a:extLst>
+        </p:spPr>
+      </p:pic>
+      <p:sp>
+        <p:nvSpPr>
+          <p:cNvPr id="8" name="TextBox 7"/>
+          <p:cNvSpPr txBox="1"/>
+          <p:nvPr/>
+        </p:nvSpPr>
+        <p:spPr>
+          <a:xfrm>
+            <a:off x="3276600" y="990600"/>
+            <a:ext cx="3810000" cy="646331"/>
+          </a:xfrm>
+          <a:prstGeom prst="rect">
+            <a:avLst/>
+          </a:prstGeom>
+          <a:noFill/>
+        </p:spPr>
+        <p:txBody>
+          <a:bodyPr wrap="square" rtlCol="0">
+            <a:spAutoFit/>
+          </a:bodyPr>
+          <a:lstStyle/>
+          <a:p>
+            <a:r>
+              <a:rPr lang="en-US" sz="3600" b="1" dirty="0" smtClean="0">
+                <a:effectLst>
+                  <a:outerShdw blurRad="38100" dist="38100" dir="2700000" algn="tl">
+                    <a:srgbClr val="000000">
+                      <a:alpha val="43137"/>
+                    </a:srgbClr>
+                  </a:outerShdw>
+                </a:effectLst>
+              </a:rPr>
+              <a:t>CLASS in Selenium</a:t>
+            </a:r>
+            <a:endParaRPr lang="en-US" sz="3600" b="1" dirty="0">
+              <a:effectLst>
+                <a:outerShdw blurRad="38100" dist="38100" dir="2700000" algn="tl">
+                  <a:srgbClr val="000000">
+                    <a:alpha val="43137"/>
+                  </a:srgbClr>
+                </a:outerShdw>
+              </a:effectLst>
+            </a:endParaRPr>
+          </a:p>
+        </p:txBody>
+      </p:sp>
+      <p:sp>
+        <p:nvSpPr>
+          <p:cNvPr id="9" name="TextBox 8"/>
+          <p:cNvSpPr txBox="1"/>
+          <p:nvPr/>
+        </p:nvSpPr>
+        <p:spPr>
+          <a:xfrm>
+            <a:off x="304800" y="2590800"/>
+            <a:ext cx="8610600" cy="2308324"/>
+          </a:xfrm>
+          <a:prstGeom prst="rect">
+            <a:avLst/>
+          </a:prstGeom>
+          <a:noFill/>
+        </p:spPr>
+        <p:txBody>
+          <a:bodyPr wrap="square" rtlCol="0">
+            <a:spAutoFit/>
+          </a:bodyPr>
+          <a:lstStyle/>
+          <a:p>
+            <a:r>
+              <a:rPr lang="en-US" sz="2400" b="1" dirty="0">
+                <a:solidFill>
+                  <a:schemeClr val="tx2">
+                    <a:lumMod val="50000"/>
+                  </a:schemeClr>
+                </a:solidFill>
+                <a:effectLst>
+                  <a:outerShdw blurRad="38100" dist="38100" dir="2700000" algn="tl">
+                    <a:srgbClr val="000000">
+                      <a:alpha val="43137"/>
+                    </a:srgbClr>
+                  </a:outerShdw>
+                </a:effectLst>
+              </a:rPr>
+              <a:t>In order to do action events, you need to use org.openqa.selenium.interactions Actions class. The user-facing API for emulating complex user gestures. Use the selenium actions class rather than using the Keyboard or Mouse directly. This API includes actions such as drag and drop, clicking multiple elements. </a:t>
+            </a:r>
+          </a:p>
+          <a:p>
+            <a:endParaRPr lang="en-US" sz="2400" b="1" dirty="0">
+              <a:solidFill>
+                <a:schemeClr val="tx2">
+                  <a:lumMod val="50000"/>
+                </a:schemeClr>
+              </a:solidFill>
+              <a:effectLst>
+                <a:outerShdw blurRad="38100" dist="38100" dir="2700000" algn="tl">
+                  <a:srgbClr val="000000">
+                    <a:alpha val="43137"/>
+                  </a:srgbClr>
+                </a:outerShdw>
+              </a:effectLst>
+            </a:endParaRPr>
+          </a:p>
+        </p:txBody>
+      </p:sp>
+      <p:sp>
+        <p:nvSpPr>
+          <p:cNvPr id="10" name="TextBox 9"/>
+          <p:cNvSpPr txBox="1"/>
+          <p:nvPr/>
+        </p:nvSpPr>
+        <p:spPr>
+          <a:xfrm>
+            <a:off x="533400" y="4629060"/>
+            <a:ext cx="9067800" cy="584775"/>
+          </a:xfrm>
+          <a:prstGeom prst="rect">
+            <a:avLst/>
+          </a:prstGeom>
+          <a:noFill/>
+        </p:spPr>
+        <p:txBody>
+          <a:bodyPr wrap="square" rtlCol="0">
+            <a:spAutoFit/>
+          </a:bodyPr>
+          <a:lstStyle/>
+          <a:p>
+            <a:r>
+              <a:rPr lang="en-US" sz="3200" b="1" dirty="0" smtClean="0">
+                <a:effectLst>
+                  <a:outerShdw blurRad="38100" dist="38100" dir="2700000" algn="tl">
+                    <a:srgbClr val="000000">
+                      <a:alpha val="43137"/>
+                    </a:srgbClr>
+                  </a:outerShdw>
+                </a:effectLst>
+              </a:rPr>
+              <a:t>Actions         </a:t>
+            </a:r>
+            <a:r>
+              <a:rPr lang="en-US" sz="3200" b="1" dirty="0" smtClean="0">
+                <a:solidFill>
+                  <a:srgbClr val="00FF00"/>
+                </a:solidFill>
+                <a:effectLst>
+                  <a:outerShdw blurRad="38100" dist="38100" dir="2700000" algn="tl">
+                    <a:srgbClr val="000000">
+                      <a:alpha val="43137"/>
+                    </a:srgbClr>
+                  </a:outerShdw>
+                </a:effectLst>
+              </a:rPr>
+              <a:t>a</a:t>
+            </a:r>
+            <a:r>
+              <a:rPr lang="en-US" sz="3200" b="1" dirty="0" smtClean="0">
+                <a:effectLst>
+                  <a:outerShdw blurRad="38100" dist="38100" dir="2700000" algn="tl">
+                    <a:srgbClr val="000000">
+                      <a:alpha val="43137"/>
+                    </a:srgbClr>
+                  </a:outerShdw>
+                </a:effectLst>
+              </a:rPr>
+              <a:t>     =  new Actions(</a:t>
+            </a:r>
+            <a:r>
+              <a:rPr lang="en-US" sz="3200" b="1" dirty="0">
+                <a:effectLst>
+                  <a:outerShdw blurRad="38100" dist="38100" dir="2700000" algn="tl">
+                    <a:srgbClr val="000000">
+                      <a:alpha val="43137"/>
+                    </a:srgbClr>
+                  </a:outerShdw>
+                </a:effectLst>
+              </a:rPr>
+              <a:t>W</a:t>
+            </a:r>
+            <a:r>
+              <a:rPr lang="en-US" sz="3200" b="1" dirty="0" smtClean="0">
+                <a:effectLst>
+                  <a:outerShdw blurRad="38100" dist="38100" dir="2700000" algn="tl">
+                    <a:srgbClr val="000000">
+                      <a:alpha val="43137"/>
+                    </a:srgbClr>
+                  </a:outerShdw>
+                </a:effectLst>
+              </a:rPr>
+              <a:t>ebDriver driver)</a:t>
+            </a:r>
+            <a:endParaRPr lang="en-US" sz="3200" b="1" dirty="0">
+              <a:effectLst>
+                <a:outerShdw blurRad="38100" dist="38100" dir="2700000" algn="tl">
+                  <a:srgbClr val="000000">
+                    <a:alpha val="43137"/>
+                  </a:srgbClr>
+                </a:outerShdw>
+              </a:effectLst>
+            </a:endParaRPr>
+          </a:p>
+        </p:txBody>
+      </p:sp>
+      <p:cxnSp>
+        <p:nvCxnSpPr>
+          <p:cNvPr id="12" name="Straight Arrow Connector 11"/>
+          <p:cNvCxnSpPr/>
+          <p:nvPr/>
+        </p:nvCxnSpPr>
+        <p:spPr>
+          <a:xfrm flipH="1">
+            <a:off x="1417142" y="5105400"/>
+            <a:ext cx="1066800" cy="609600"/>
+          </a:xfrm>
+          <a:prstGeom prst="straightConnector1">
+            <a:avLst/>
+          </a:prstGeom>
+          <a:ln w="28575">
+            <a:solidFill>
+              <a:schemeClr val="tx1">
+                <a:lumMod val="95000"/>
+                <a:lumOff val="5000"/>
+              </a:schemeClr>
+            </a:solidFill>
+            <a:tailEnd type="arrow"/>
+          </a:ln>
+        </p:spPr>
+        <p:style>
+          <a:lnRef idx="1">
+            <a:schemeClr val="accent1"/>
+          </a:lnRef>
+          <a:fillRef idx="0">
+            <a:schemeClr val="accent1"/>
+          </a:fillRef>
+          <a:effectRef idx="0">
+            <a:schemeClr val="accent1"/>
+          </a:effectRef>
+          <a:fontRef idx="minor">
+            <a:schemeClr val="tx1"/>
+          </a:fontRef>
+        </p:style>
+      </p:cxnSp>
+      <p:sp>
+        <p:nvSpPr>
+          <p:cNvPr id="13" name="TextBox 12"/>
+          <p:cNvSpPr txBox="1"/>
+          <p:nvPr/>
+        </p:nvSpPr>
+        <p:spPr>
+          <a:xfrm>
+            <a:off x="30657" y="5638800"/>
+            <a:ext cx="1919885" cy="646331"/>
+          </a:xfrm>
+          <a:prstGeom prst="rect">
+            <a:avLst/>
+          </a:prstGeom>
+          <a:noFill/>
+        </p:spPr>
+        <p:txBody>
+          <a:bodyPr wrap="none" rtlCol="0">
+            <a:spAutoFit/>
+          </a:bodyPr>
+          <a:lstStyle/>
+          <a:p>
+            <a:pPr lvl="0"/>
+            <a:r>
+              <a:rPr lang="en-US" b="1" dirty="0">
+                <a:effectLst>
+                  <a:outerShdw blurRad="38100" dist="38100" dir="2700000" algn="tl">
+                    <a:srgbClr val="000000">
+                      <a:alpha val="43137"/>
+                    </a:srgbClr>
+                  </a:outerShdw>
+                </a:effectLst>
+              </a:rPr>
+              <a:t>moveToElement() </a:t>
+            </a:r>
+          </a:p>
+          <a:p>
+            <a:endParaRPr lang="en-US" b="1" dirty="0">
+              <a:effectLst>
+                <a:outerShdw blurRad="38100" dist="38100" dir="2700000" algn="tl">
+                  <a:srgbClr val="000000">
+                    <a:alpha val="43137"/>
+                  </a:srgbClr>
+                </a:outerShdw>
+              </a:effectLst>
+            </a:endParaRPr>
+          </a:p>
+        </p:txBody>
+      </p:sp>
+      <p:cxnSp>
+        <p:nvCxnSpPr>
+          <p:cNvPr id="15" name="Straight Arrow Connector 14"/>
+          <p:cNvCxnSpPr/>
+          <p:nvPr/>
+        </p:nvCxnSpPr>
+        <p:spPr>
+          <a:xfrm>
+            <a:off x="2684674" y="5233416"/>
+            <a:ext cx="0" cy="501165"/>
+          </a:xfrm>
+          <a:prstGeom prst="straightConnector1">
+            <a:avLst/>
+          </a:prstGeom>
+          <a:ln w="28575">
+            <a:solidFill>
+              <a:schemeClr val="tx1">
+                <a:lumMod val="95000"/>
+                <a:lumOff val="5000"/>
+              </a:schemeClr>
+            </a:solidFill>
+            <a:tailEnd type="arrow"/>
+          </a:ln>
+        </p:spPr>
+        <p:style>
+          <a:lnRef idx="1">
+            <a:schemeClr val="accent1"/>
+          </a:lnRef>
+          <a:fillRef idx="0">
+            <a:schemeClr val="accent1"/>
+          </a:fillRef>
+          <a:effectRef idx="0">
+            <a:schemeClr val="accent1"/>
+          </a:effectRef>
+          <a:fontRef idx="minor">
+            <a:schemeClr val="tx1"/>
+          </a:fontRef>
+        </p:style>
+      </p:cxnSp>
+      <p:sp>
+        <p:nvSpPr>
+          <p:cNvPr id="16" name="TextBox 15"/>
+          <p:cNvSpPr txBox="1"/>
+          <p:nvPr/>
+        </p:nvSpPr>
+        <p:spPr>
+          <a:xfrm>
+            <a:off x="1950542" y="5624945"/>
+            <a:ext cx="1537537" cy="646331"/>
+          </a:xfrm>
+          <a:prstGeom prst="rect">
+            <a:avLst/>
+          </a:prstGeom>
+          <a:noFill/>
+        </p:spPr>
+        <p:txBody>
+          <a:bodyPr wrap="none" rtlCol="0">
+            <a:spAutoFit/>
+          </a:bodyPr>
+          <a:lstStyle/>
+          <a:p>
+            <a:pPr lvl="0"/>
+            <a:r>
+              <a:rPr lang="en-US" b="1" dirty="0">
+                <a:effectLst>
+                  <a:outerShdw blurRad="38100" dist="38100" dir="2700000" algn="tl">
+                    <a:srgbClr val="000000">
+                      <a:alpha val="43137"/>
+                    </a:srgbClr>
+                  </a:outerShdw>
+                </a:effectLst>
+              </a:rPr>
+              <a:t>contextClick() </a:t>
+            </a:r>
+          </a:p>
+          <a:p>
+            <a:endParaRPr lang="en-US" b="1" dirty="0">
+              <a:effectLst>
+                <a:outerShdw blurRad="38100" dist="38100" dir="2700000" algn="tl">
+                  <a:srgbClr val="000000">
+                    <a:alpha val="43137"/>
+                  </a:srgbClr>
+                </a:outerShdw>
+              </a:effectLst>
+            </a:endParaRPr>
+          </a:p>
+        </p:txBody>
+      </p:sp>
+      <p:cxnSp>
+        <p:nvCxnSpPr>
+          <p:cNvPr id="18" name="Straight Arrow Connector 17"/>
+          <p:cNvCxnSpPr/>
+          <p:nvPr/>
+        </p:nvCxnSpPr>
+        <p:spPr>
+          <a:xfrm>
+            <a:off x="2856573" y="5213835"/>
+            <a:ext cx="877227" cy="431892"/>
+          </a:xfrm>
+          <a:prstGeom prst="straightConnector1">
+            <a:avLst/>
+          </a:prstGeom>
+          <a:ln w="28575">
+            <a:solidFill>
+              <a:schemeClr val="tx1">
+                <a:lumMod val="95000"/>
+                <a:lumOff val="5000"/>
+              </a:schemeClr>
+            </a:solidFill>
+            <a:tailEnd type="arrow"/>
+          </a:ln>
+        </p:spPr>
+        <p:style>
+          <a:lnRef idx="1">
+            <a:schemeClr val="accent1"/>
+          </a:lnRef>
+          <a:fillRef idx="0">
+            <a:schemeClr val="accent1"/>
+          </a:fillRef>
+          <a:effectRef idx="0">
+            <a:schemeClr val="accent1"/>
+          </a:effectRef>
+          <a:fontRef idx="minor">
+            <a:schemeClr val="tx1"/>
+          </a:fontRef>
+        </p:style>
+      </p:cxnSp>
+      <p:sp>
+        <p:nvSpPr>
+          <p:cNvPr id="20" name="TextBox 19"/>
+          <p:cNvSpPr txBox="1"/>
+          <p:nvPr/>
+        </p:nvSpPr>
+        <p:spPr>
+          <a:xfrm>
+            <a:off x="3434892" y="5638800"/>
+            <a:ext cx="1662763" cy="369332"/>
+          </a:xfrm>
+          <a:prstGeom prst="rect">
+            <a:avLst/>
+          </a:prstGeom>
+          <a:noFill/>
+        </p:spPr>
+        <p:txBody>
+          <a:bodyPr wrap="none" rtlCol="0">
+            <a:spAutoFit/>
+          </a:bodyPr>
+          <a:lstStyle/>
+          <a:p>
+            <a:r>
+              <a:rPr lang="en-US" b="1" dirty="0">
+                <a:effectLst>
+                  <a:outerShdw blurRad="38100" dist="38100" dir="2700000" algn="tl">
+                    <a:srgbClr val="000000">
+                      <a:alpha val="43137"/>
+                    </a:srgbClr>
+                  </a:outerShdw>
+                </a:effectLst>
+              </a:rPr>
+              <a:t>dragAndDrop() </a:t>
+            </a:r>
+            <a:endParaRPr lang="en-US" b="1" dirty="0">
+              <a:effectLst>
+                <a:outerShdw blurRad="38100" dist="38100" dir="2700000" algn="tl">
+                  <a:srgbClr val="000000">
+                    <a:alpha val="43137"/>
+                  </a:srgbClr>
+                </a:outerShdw>
+              </a:effectLst>
+            </a:endParaRPr>
+          </a:p>
+        </p:txBody>
+      </p:sp>
+      <p:cxnSp>
+        <p:nvCxnSpPr>
+          <p:cNvPr id="22" name="Straight Arrow Connector 21"/>
+          <p:cNvCxnSpPr/>
+          <p:nvPr/>
+        </p:nvCxnSpPr>
+        <p:spPr>
+          <a:xfrm>
+            <a:off x="2959852" y="5105400"/>
+            <a:ext cx="2526548" cy="609600"/>
+          </a:xfrm>
+          <a:prstGeom prst="straightConnector1">
+            <a:avLst/>
+          </a:prstGeom>
+          <a:ln w="28575">
+            <a:solidFill>
+              <a:schemeClr val="tx1">
+                <a:lumMod val="95000"/>
+                <a:lumOff val="5000"/>
+              </a:schemeClr>
+            </a:solidFill>
+            <a:tailEnd type="arrow"/>
+          </a:ln>
+        </p:spPr>
+        <p:style>
+          <a:lnRef idx="1">
+            <a:schemeClr val="accent1"/>
+          </a:lnRef>
+          <a:fillRef idx="0">
+            <a:schemeClr val="accent1"/>
+          </a:fillRef>
+          <a:effectRef idx="0">
+            <a:schemeClr val="accent1"/>
+          </a:effectRef>
+          <a:fontRef idx="minor">
+            <a:schemeClr val="tx1"/>
+          </a:fontRef>
+        </p:style>
+      </p:cxnSp>
+      <p:sp>
+        <p:nvSpPr>
+          <p:cNvPr id="23" name="TextBox 22"/>
+          <p:cNvSpPr txBox="1"/>
+          <p:nvPr/>
+        </p:nvSpPr>
+        <p:spPr>
+          <a:xfrm>
+            <a:off x="4953000" y="5645727"/>
+            <a:ext cx="1846468" cy="646331"/>
+          </a:xfrm>
+          <a:prstGeom prst="rect">
+            <a:avLst/>
+          </a:prstGeom>
+          <a:noFill/>
+        </p:spPr>
+        <p:txBody>
+          <a:bodyPr wrap="none" rtlCol="0">
+            <a:spAutoFit/>
+          </a:bodyPr>
+          <a:lstStyle/>
+          <a:p>
+            <a:pPr lvl="0"/>
+            <a:r>
+              <a:rPr lang="en-US" b="1" dirty="0">
+                <a:effectLst>
+                  <a:outerShdw blurRad="38100" dist="38100" dir="2700000" algn="tl">
+                    <a:srgbClr val="000000">
+                      <a:alpha val="43137"/>
+                    </a:srgbClr>
+                  </a:outerShdw>
+                </a:effectLst>
+              </a:rPr>
+              <a:t>dragAndDropBy()</a:t>
+            </a:r>
+          </a:p>
+          <a:p>
+            <a:endParaRPr lang="en-US" b="1" dirty="0">
+              <a:effectLst>
+                <a:outerShdw blurRad="38100" dist="38100" dir="2700000" algn="tl">
+                  <a:srgbClr val="000000">
+                    <a:alpha val="43137"/>
+                  </a:srgbClr>
+                </a:outerShdw>
+              </a:effectLst>
+            </a:endParaRPr>
+          </a:p>
+        </p:txBody>
+      </p:sp>
+      <p:cxnSp>
+        <p:nvCxnSpPr>
+          <p:cNvPr id="28" name="Straight Arrow Connector 27"/>
+          <p:cNvCxnSpPr/>
+          <p:nvPr/>
+        </p:nvCxnSpPr>
+        <p:spPr>
+          <a:xfrm>
+            <a:off x="3105150" y="5029913"/>
+            <a:ext cx="4214890" cy="704668"/>
+          </a:xfrm>
+          <a:prstGeom prst="straightConnector1">
+            <a:avLst/>
+          </a:prstGeom>
+          <a:ln w="28575">
+            <a:solidFill>
+              <a:schemeClr val="tx1">
+                <a:lumMod val="95000"/>
+                <a:lumOff val="5000"/>
+              </a:schemeClr>
+            </a:solidFill>
+            <a:tailEnd type="arrow"/>
+          </a:ln>
+        </p:spPr>
+        <p:style>
+          <a:lnRef idx="1">
+            <a:schemeClr val="accent1"/>
+          </a:lnRef>
+          <a:fillRef idx="0">
+            <a:schemeClr val="accent1"/>
+          </a:fillRef>
+          <a:effectRef idx="0">
+            <a:schemeClr val="accent1"/>
+          </a:effectRef>
+          <a:fontRef idx="minor">
+            <a:schemeClr val="tx1"/>
+          </a:fontRef>
+        </p:style>
+      </p:cxnSp>
+      <p:sp>
+        <p:nvSpPr>
+          <p:cNvPr id="9228" name="TextBox 9227"/>
+          <p:cNvSpPr txBox="1"/>
+          <p:nvPr/>
+        </p:nvSpPr>
+        <p:spPr>
+          <a:xfrm>
+            <a:off x="6994458" y="5684966"/>
+            <a:ext cx="1435008" cy="646331"/>
+          </a:xfrm>
+          <a:prstGeom prst="rect">
+            <a:avLst/>
+          </a:prstGeom>
+          <a:noFill/>
+        </p:spPr>
+        <p:txBody>
+          <a:bodyPr wrap="none" rtlCol="0">
+            <a:spAutoFit/>
+          </a:bodyPr>
+          <a:lstStyle/>
+          <a:p>
+            <a:pPr lvl="0"/>
+            <a:r>
+              <a:rPr lang="en-US" b="1" dirty="0">
+                <a:effectLst>
+                  <a:outerShdw blurRad="38100" dist="38100" dir="2700000" algn="tl">
+                    <a:srgbClr val="000000">
+                      <a:alpha val="43137"/>
+                    </a:srgbClr>
+                  </a:outerShdw>
+                </a:effectLst>
+              </a:rPr>
+              <a:t>doubleClick()</a:t>
+            </a:r>
+          </a:p>
+          <a:p>
+            <a:endParaRPr lang="en-US" b="1" dirty="0">
+              <a:effectLst>
+                <a:outerShdw blurRad="38100" dist="38100" dir="2700000" algn="tl">
+                  <a:srgbClr val="000000">
+                    <a:alpha val="43137"/>
+                  </a:srgbClr>
+                </a:outerShdw>
+              </a:effectLst>
+            </a:endParaRPr>
+          </a:p>
+        </p:txBody>
+      </p:sp>
+    </p:spTree>
+    <p:extLst>
+      <p:ext uri="{BB962C8B-B14F-4D97-AF65-F5344CB8AC3E}">
+        <p14:creationId xmlns:p14="http://schemas.microsoft.com/office/powerpoint/2010/main" val="2163416050"/>
+      </p:ext>
+    </p:extLst>
+  </p:cSld>
+  <p:clrMapOvr>
+    <a:masterClrMapping/>
+  </p:clrMapOvr>
+  <p:timing>
+    <p:tnLst>
+      <p:par>
+        <p:cTn id="1" dur="indefinite" restart="never" nodeType="tmRoot"/>
+      </p:par>
+    </p:tnLst>
+  </p:timing>
+</p:sld>
+</file>
+
+<file path=ppt/slides/slide28.xml><?xml version="1.0" encoding="utf-8"?>
+<p:sld xmlns:a="http://schemas.openxmlformats.org/drawingml/2006/main" xmlns:r="http://schemas.openxmlformats.org/officeDocument/2006/relationships" xmlns:p="http://schemas.openxmlformats.org/presentationml/2006/main">
+  <p:cSld>
+    <p:spTree>
+      <p:nvGrpSpPr>
+        <p:cNvPr id="1" name=""/>
+        <p:cNvGrpSpPr/>
+        <p:nvPr/>
+      </p:nvGrpSpPr>
+      <p:grpSpPr>
+        <a:xfrm>
+          <a:off x="0" y="0"/>
+          <a:ext cx="0" cy="0"/>
+          <a:chOff x="0" y="0"/>
+          <a:chExt cx="0" cy="0"/>
+        </a:xfrm>
+      </p:grpSpPr>
+      <p:sp>
+        <p:nvSpPr>
+          <p:cNvPr id="4" name="TextBox 3"/>
+          <p:cNvSpPr txBox="1"/>
+          <p:nvPr/>
+        </p:nvSpPr>
+        <p:spPr>
+          <a:xfrm>
+            <a:off x="20782" y="207817"/>
+            <a:ext cx="9026236" cy="1384995"/>
+          </a:xfrm>
+          <a:prstGeom prst="rect">
+            <a:avLst/>
+          </a:prstGeom>
+          <a:noFill/>
+        </p:spPr>
+        <p:txBody>
+          <a:bodyPr wrap="square" rtlCol="0">
+            <a:spAutoFit/>
+          </a:bodyPr>
+          <a:lstStyle/>
+          <a:p>
+            <a:r>
+              <a:rPr lang="en-US" sz="2800" b="1" i="1" dirty="0">
+                <a:latin typeface="Ebrima" pitchFamily="2" charset="0"/>
+                <a:ea typeface="Ebrima" pitchFamily="2" charset="0"/>
+                <a:cs typeface="Ebrima" pitchFamily="2" charset="0"/>
+              </a:rPr>
+              <a:t>For Mouse over Action we have moveToElement(), it will take webelements as an argument. </a:t>
+            </a:r>
+          </a:p>
+          <a:p>
+            <a:endParaRPr lang="en-US" sz="2800" b="1" i="1" dirty="0">
+              <a:latin typeface="Ebrima" pitchFamily="2" charset="0"/>
+              <a:ea typeface="Ebrima" pitchFamily="2" charset="0"/>
+              <a:cs typeface="Ebrima" pitchFamily="2" charset="0"/>
+            </a:endParaRPr>
+          </a:p>
+        </p:txBody>
+      </p:sp>
+      <p:sp>
+        <p:nvSpPr>
+          <p:cNvPr id="5" name="TextBox 4"/>
+          <p:cNvSpPr txBox="1"/>
+          <p:nvPr/>
+        </p:nvSpPr>
+        <p:spPr>
+          <a:xfrm>
+            <a:off x="228600" y="1269646"/>
+            <a:ext cx="8089972" cy="1200329"/>
+          </a:xfrm>
+          <a:prstGeom prst="rect">
+            <a:avLst/>
+          </a:prstGeom>
+          <a:noFill/>
+        </p:spPr>
+        <p:txBody>
+          <a:bodyPr wrap="none" rtlCol="0">
+            <a:spAutoFit/>
+          </a:bodyPr>
+          <a:lstStyle/>
+          <a:p>
+            <a:r>
+              <a:rPr lang="en-US" sz="3600" b="1" dirty="0">
+                <a:solidFill>
+                  <a:srgbClr val="00FF00"/>
+                </a:solidFill>
+                <a:effectLst>
+                  <a:outerShdw blurRad="38100" dist="38100" dir="2700000" algn="tl">
+                    <a:srgbClr val="000000">
+                      <a:alpha val="43137"/>
+                    </a:srgbClr>
+                  </a:outerShdw>
+                </a:effectLst>
+              </a:rPr>
+              <a:t>a.moveToElement(ele).build().perform(); </a:t>
+            </a:r>
+          </a:p>
+          <a:p>
+            <a:endParaRPr lang="en-US" sz="3600" b="1" dirty="0">
+              <a:solidFill>
+                <a:srgbClr val="00FF00"/>
+              </a:solidFill>
+              <a:effectLst>
+                <a:outerShdw blurRad="38100" dist="38100" dir="2700000" algn="tl">
+                  <a:srgbClr val="000000">
+                    <a:alpha val="43137"/>
+                  </a:srgbClr>
+                </a:outerShdw>
+              </a:effectLst>
+            </a:endParaRPr>
+          </a:p>
+        </p:txBody>
+      </p:sp>
+      <p:sp>
+        <p:nvSpPr>
+          <p:cNvPr id="6" name="TextBox 5"/>
+          <p:cNvSpPr txBox="1"/>
+          <p:nvPr/>
+        </p:nvSpPr>
+        <p:spPr>
+          <a:xfrm>
+            <a:off x="235857" y="2057400"/>
+            <a:ext cx="8534400" cy="1569660"/>
+          </a:xfrm>
+          <a:prstGeom prst="rect">
+            <a:avLst/>
+          </a:prstGeom>
+          <a:noFill/>
+        </p:spPr>
+        <p:txBody>
+          <a:bodyPr wrap="square" rtlCol="0">
+            <a:spAutoFit/>
+          </a:bodyPr>
+          <a:lstStyle/>
+          <a:p>
+            <a:r>
+              <a:rPr lang="en-US" sz="3200" b="1" dirty="0">
+                <a:effectLst>
+                  <a:outerShdw blurRad="38100" dist="38100" dir="2700000" algn="tl">
+                    <a:srgbClr val="000000">
+                      <a:alpha val="43137"/>
+                    </a:srgbClr>
+                  </a:outerShdw>
+                </a:effectLst>
+              </a:rPr>
+              <a:t>build = The build() method is used to compile all the listed actions into a single step. </a:t>
+            </a:r>
+          </a:p>
+          <a:p>
+            <a:endParaRPr lang="en-US" sz="3200" b="1" dirty="0">
+              <a:effectLst>
+                <a:outerShdw blurRad="38100" dist="38100" dir="2700000" algn="tl">
+                  <a:srgbClr val="000000">
+                    <a:alpha val="43137"/>
+                  </a:srgbClr>
+                </a:outerShdw>
+              </a:effectLst>
+            </a:endParaRPr>
+          </a:p>
+        </p:txBody>
+      </p:sp>
+      <p:sp>
+        <p:nvSpPr>
+          <p:cNvPr id="7" name="TextBox 6"/>
+          <p:cNvSpPr txBox="1"/>
+          <p:nvPr/>
+        </p:nvSpPr>
+        <p:spPr>
+          <a:xfrm>
+            <a:off x="210456" y="3124200"/>
+            <a:ext cx="8836561" cy="1569660"/>
+          </a:xfrm>
+          <a:prstGeom prst="rect">
+            <a:avLst/>
+          </a:prstGeom>
+          <a:noFill/>
+        </p:spPr>
+        <p:txBody>
+          <a:bodyPr wrap="square" rtlCol="0">
+            <a:spAutoFit/>
+          </a:bodyPr>
+          <a:lstStyle/>
+          <a:p>
+            <a:r>
+              <a:rPr lang="en-US" sz="3200" b="1" dirty="0">
+                <a:effectLst>
+                  <a:outerShdw blurRad="38100" dist="38100" dir="2700000" algn="tl">
+                    <a:srgbClr val="000000">
+                      <a:alpha val="43137"/>
+                    </a:srgbClr>
+                  </a:outerShdw>
+                </a:effectLst>
+              </a:rPr>
+              <a:t>Perform = A convenience method for performing the actions without calling build() first </a:t>
+            </a:r>
+          </a:p>
+          <a:p>
+            <a:endParaRPr lang="en-US" sz="3200" b="1" dirty="0">
+              <a:effectLst>
+                <a:outerShdw blurRad="38100" dist="38100" dir="2700000" algn="tl">
+                  <a:srgbClr val="000000">
+                    <a:alpha val="43137"/>
+                  </a:srgbClr>
+                </a:outerShdw>
+              </a:effectLst>
+            </a:endParaRPr>
+          </a:p>
+        </p:txBody>
+      </p:sp>
+    </p:spTree>
+    <p:extLst>
+      <p:ext uri="{BB962C8B-B14F-4D97-AF65-F5344CB8AC3E}">
+        <p14:creationId xmlns:p14="http://schemas.microsoft.com/office/powerpoint/2010/main" val="3576766788"/>
       </p:ext>
     </p:extLst>
   </p:cSld>
@@ -13056,7 +16246,7 @@
           </a:bodyPr>
           <a:lstStyle/>
           <a:p>
-            <a:endParaRPr lang="en-US"/>
+            <a:endParaRPr lang="en-US" dirty="0"/>
           </a:p>
         </p:txBody>
       </p:sp>
@@ -13082,7 +16272,7 @@
           <a:graphicData uri="http://schemas.openxmlformats.org/presentationml/2006/ole">
             <mc:AlternateContent xmlns:mc="http://schemas.openxmlformats.org/markup-compatibility/2006">
               <mc:Choice xmlns:v="urn:schemas-microsoft-com:vml" Requires="v">
-                <p:oleObj spid="_x0000_s3100" name="Picture" r:id="rId3" imgW="0" imgH="0" progId="StaticMetafile">
+                <p:oleObj spid="_x0000_s3115" name="Picture" r:id="rId3" imgW="0" imgH="0" progId="StaticMetafile">
                   <p:embed/>
                 </p:oleObj>
               </mc:Choice>

--- a/Selenium.pptx
+++ b/Selenium.pptx
@@ -33,6 +33,7 @@
     <p:sldId id="281" r:id="rId27"/>
     <p:sldId id="282" r:id="rId28"/>
     <p:sldId id="283" r:id="rId29"/>
+    <p:sldId id="284" r:id="rId30"/>
   </p:sldIdLst>
   <p:sldSz cx="9144000" cy="6858000" type="screen4x3"/>
   <p:notesSz cx="6858000" cy="9144000"/>
@@ -315,7 +316,7 @@
           <a:p>
             <a:fld id="{F519C7F3-C371-4827-89FF-855251EDEF64}" type="datetimeFigureOut">
               <a:rPr lang="en-US" smtClean="0"/>
-              <a:t>2/4/2021</a:t>
+              <a:t>2/6/2021</a:t>
             </a:fld>
             <a:endParaRPr lang="en-US" dirty="0"/>
           </a:p>
@@ -485,7 +486,7 @@
           <a:p>
             <a:fld id="{F519C7F3-C371-4827-89FF-855251EDEF64}" type="datetimeFigureOut">
               <a:rPr lang="en-US" smtClean="0"/>
-              <a:t>2/4/2021</a:t>
+              <a:t>2/6/2021</a:t>
             </a:fld>
             <a:endParaRPr lang="en-US" dirty="0"/>
           </a:p>
@@ -665,7 +666,7 @@
           <a:p>
             <a:fld id="{F519C7F3-C371-4827-89FF-855251EDEF64}" type="datetimeFigureOut">
               <a:rPr lang="en-US" smtClean="0"/>
-              <a:t>2/4/2021</a:t>
+              <a:t>2/6/2021</a:t>
             </a:fld>
             <a:endParaRPr lang="en-US" dirty="0"/>
           </a:p>
@@ -835,7 +836,7 @@
           <a:p>
             <a:fld id="{F519C7F3-C371-4827-89FF-855251EDEF64}" type="datetimeFigureOut">
               <a:rPr lang="en-US" smtClean="0"/>
-              <a:t>2/4/2021</a:t>
+              <a:t>2/6/2021</a:t>
             </a:fld>
             <a:endParaRPr lang="en-US" dirty="0"/>
           </a:p>
@@ -1081,7 +1082,7 @@
           <a:p>
             <a:fld id="{F519C7F3-C371-4827-89FF-855251EDEF64}" type="datetimeFigureOut">
               <a:rPr lang="en-US" smtClean="0"/>
-              <a:t>2/4/2021</a:t>
+              <a:t>2/6/2021</a:t>
             </a:fld>
             <a:endParaRPr lang="en-US" dirty="0"/>
           </a:p>
@@ -1369,7 +1370,7 @@
           <a:p>
             <a:fld id="{F519C7F3-C371-4827-89FF-855251EDEF64}" type="datetimeFigureOut">
               <a:rPr lang="en-US" smtClean="0"/>
-              <a:t>2/4/2021</a:t>
+              <a:t>2/6/2021</a:t>
             </a:fld>
             <a:endParaRPr lang="en-US" dirty="0"/>
           </a:p>
@@ -1791,7 +1792,7 @@
           <a:p>
             <a:fld id="{F519C7F3-C371-4827-89FF-855251EDEF64}" type="datetimeFigureOut">
               <a:rPr lang="en-US" smtClean="0"/>
-              <a:t>2/4/2021</a:t>
+              <a:t>2/6/2021</a:t>
             </a:fld>
             <a:endParaRPr lang="en-US" dirty="0"/>
           </a:p>
@@ -1909,7 +1910,7 @@
           <a:p>
             <a:fld id="{F519C7F3-C371-4827-89FF-855251EDEF64}" type="datetimeFigureOut">
               <a:rPr lang="en-US" smtClean="0"/>
-              <a:t>2/4/2021</a:t>
+              <a:t>2/6/2021</a:t>
             </a:fld>
             <a:endParaRPr lang="en-US" dirty="0"/>
           </a:p>
@@ -2004,7 +2005,7 @@
           <a:p>
             <a:fld id="{F519C7F3-C371-4827-89FF-855251EDEF64}" type="datetimeFigureOut">
               <a:rPr lang="en-US" smtClean="0"/>
-              <a:t>2/4/2021</a:t>
+              <a:t>2/6/2021</a:t>
             </a:fld>
             <a:endParaRPr lang="en-US" dirty="0"/>
           </a:p>
@@ -2281,7 +2282,7 @@
           <a:p>
             <a:fld id="{F519C7F3-C371-4827-89FF-855251EDEF64}" type="datetimeFigureOut">
               <a:rPr lang="en-US" smtClean="0"/>
-              <a:t>2/4/2021</a:t>
+              <a:t>2/6/2021</a:t>
             </a:fld>
             <a:endParaRPr lang="en-US" dirty="0"/>
           </a:p>
@@ -2534,7 +2535,7 @@
           <a:p>
             <a:fld id="{F519C7F3-C371-4827-89FF-855251EDEF64}" type="datetimeFigureOut">
               <a:rPr lang="en-US" smtClean="0"/>
-              <a:t>2/4/2021</a:t>
+              <a:t>2/6/2021</a:t>
             </a:fld>
             <a:endParaRPr lang="en-US" dirty="0"/>
           </a:p>
@@ -2747,7 +2748,7 @@
           <a:p>
             <a:fld id="{F519C7F3-C371-4827-89FF-855251EDEF64}" type="datetimeFigureOut">
               <a:rPr lang="en-US" smtClean="0"/>
-              <a:t>2/4/2021</a:t>
+              <a:t>2/6/2021</a:t>
             </a:fld>
             <a:endParaRPr lang="en-US" dirty="0"/>
           </a:p>
@@ -8750,19 +8751,7 @@
                   </a:outerShdw>
                 </a:effectLst>
               </a:rPr>
-              <a:t>difference between get() and to</a:t>
-            </a:r>
-            <a:r>
-              <a:rPr lang="en-US" sz="3200" b="1" i="1" dirty="0" smtClean="0">
-                <a:effectLst>
-                  <a:outerShdw blurRad="38100" dist="38100" dir="2700000" algn="tl">
-                    <a:srgbClr val="000000">
-                      <a:alpha val="43137"/>
-                    </a:srgbClr>
-                  </a:outerShdw>
-                </a:effectLst>
-              </a:rPr>
-              <a:t>()..?</a:t>
+              <a:t>difference between get() and to()..?</a:t>
             </a:r>
           </a:p>
           <a:p>
@@ -10199,15 +10188,6 @@
               </a:rPr>
               <a:t>driver.findElement(By.LocatorStrategy("LocatorValue"));</a:t>
             </a:r>
-            <a:endParaRPr lang="en-US" b="1" dirty="0">
-              <a:effectLst>
-                <a:outerShdw blurRad="38100" dist="38100" dir="2700000" algn="tl">
-                  <a:srgbClr val="000000">
-                    <a:alpha val="43137"/>
-                  </a:srgbClr>
-                </a:outerShdw>
-              </a:effectLst>
-            </a:endParaRPr>
           </a:p>
         </p:txBody>
       </p:sp>
@@ -10248,18 +10228,6 @@
               </a:rPr>
               <a:t>For Multiple WebElement</a:t>
             </a:r>
-            <a:endParaRPr lang="en-US" sz="2800" b="1" dirty="0">
-              <a:solidFill>
-                <a:srgbClr val="FF0000"/>
-              </a:solidFill>
-              <a:effectLst>
-                <a:outerShdw blurRad="38100" dist="38100" dir="2700000" algn="tl">
-                  <a:srgbClr val="000000">
-                    <a:alpha val="43137"/>
-                  </a:srgbClr>
-                </a:outerShdw>
-              </a:effectLst>
-            </a:endParaRPr>
           </a:p>
         </p:txBody>
       </p:sp>
@@ -12896,15 +12864,6 @@
               </a:rPr>
               <a:t>dragAndDrop() </a:t>
             </a:r>
-            <a:endParaRPr lang="en-US" b="1" dirty="0">
-              <a:effectLst>
-                <a:outerShdw blurRad="38100" dist="38100" dir="2700000" algn="tl">
-                  <a:srgbClr val="000000">
-                    <a:alpha val="43137"/>
-                  </a:srgbClr>
-                </a:outerShdw>
-              </a:effectLst>
-            </a:endParaRPr>
           </a:p>
         </p:txBody>
       </p:sp>
@@ -13311,10 +13270,76 @@
           </a:p>
         </p:txBody>
       </p:sp>
+      <p:pic>
+        <p:nvPicPr>
+          <p:cNvPr id="2" name="Picture 1"/>
+          <p:cNvPicPr>
+            <a:picLocks noChangeAspect="1"/>
+          </p:cNvPicPr>
+          <p:nvPr/>
+        </p:nvPicPr>
+        <p:blipFill rotWithShape="1">
+          <a:blip r:embed="rId2">
+            <a:extLst>
+              <a:ext uri="{28A0092B-C50C-407E-A947-70E740481C1C}">
+                <a14:useLocalDpi xmlns:a14="http://schemas.microsoft.com/office/drawing/2010/main" val="0"/>
+              </a:ext>
+            </a:extLst>
+          </a:blip>
+          <a:srcRect t="7997" r="1061" b="4860"/>
+          <a:stretch/>
+        </p:blipFill>
+        <p:spPr>
+          <a:xfrm>
+            <a:off x="426357" y="4158573"/>
+            <a:ext cx="8153400" cy="2387401"/>
+          </a:xfrm>
+          <a:prstGeom prst="rect">
+            <a:avLst/>
+          </a:prstGeom>
+        </p:spPr>
+      </p:pic>
     </p:spTree>
     <p:extLst>
       <p:ext uri="{BB962C8B-B14F-4D97-AF65-F5344CB8AC3E}">
         <p14:creationId xmlns:p14="http://schemas.microsoft.com/office/powerpoint/2010/main" val="3576766788"/>
+      </p:ext>
+    </p:extLst>
+  </p:cSld>
+  <p:clrMapOvr>
+    <a:masterClrMapping/>
+  </p:clrMapOvr>
+  <p:timing>
+    <p:tnLst>
+      <p:par>
+        <p:cTn id="1" dur="indefinite" restart="never" nodeType="tmRoot"/>
+      </p:par>
+    </p:tnLst>
+  </p:timing>
+</p:sld>
+</file>
+
+<file path=ppt/slides/slide29.xml><?xml version="1.0" encoding="utf-8"?>
+<p:sld xmlns:a="http://schemas.openxmlformats.org/drawingml/2006/main" xmlns:r="http://schemas.openxmlformats.org/officeDocument/2006/relationships" xmlns:p="http://schemas.openxmlformats.org/presentationml/2006/main">
+  <p:cSld>
+    <p:spTree>
+      <p:nvGrpSpPr>
+        <p:cNvPr id="1" name=""/>
+        <p:cNvGrpSpPr/>
+        <p:nvPr/>
+      </p:nvGrpSpPr>
+      <p:grpSpPr>
+        <a:xfrm>
+          <a:off x="0" y="0"/>
+          <a:ext cx="0" cy="0"/>
+          <a:chOff x="0" y="0"/>
+          <a:chExt cx="0" cy="0"/>
+        </a:xfrm>
+      </p:grpSpPr>
+    </p:spTree>
+    <p:extLst>
+      <p:ext uri="{BB962C8B-B14F-4D97-AF65-F5344CB8AC3E}">
+        <p14:creationId xmlns:p14="http://schemas.microsoft.com/office/powerpoint/2010/main" val="3607887620"/>
       </p:ext>
     </p:extLst>
   </p:cSld>
@@ -16272,7 +16297,7 @@
           <a:graphicData uri="http://schemas.openxmlformats.org/presentationml/2006/ole">
             <mc:AlternateContent xmlns:mc="http://schemas.openxmlformats.org/markup-compatibility/2006">
               <mc:Choice xmlns:v="urn:schemas-microsoft-com:vml" Requires="v">
-                <p:oleObj spid="_x0000_s3115" name="Picture" r:id="rId3" imgW="0" imgH="0" progId="StaticMetafile">
+                <p:oleObj spid="_x0000_s3118" name="Picture" r:id="rId3" imgW="0" imgH="0" progId="StaticMetafile">
                   <p:embed/>
                 </p:oleObj>
               </mc:Choice>
